--- a/Session 06 - Developing Custom Visuals for Power BI.pptx
+++ b/Session 06 - Developing Custom Visuals for Power BI.pptx
@@ -5,10 +5,10 @@
     <p:sldMasterId id="2147484551" r:id="rId4"/>
   </p:sldMasterIdLst>
   <p:notesMasterIdLst>
-    <p:notesMasterId r:id="rId54"/>
+    <p:notesMasterId r:id="rId55"/>
   </p:notesMasterIdLst>
   <p:handoutMasterIdLst>
-    <p:handoutMasterId r:id="rId55"/>
+    <p:handoutMasterId r:id="rId56"/>
   </p:handoutMasterIdLst>
   <p:sldIdLst>
     <p:sldId id="4474" r:id="rId5"/>
@@ -40,13 +40,13 @@
     <p:sldId id="363" r:id="rId31"/>
     <p:sldId id="364" r:id="rId32"/>
     <p:sldId id="293" r:id="rId33"/>
-    <p:sldId id="376" r:id="rId34"/>
-    <p:sldId id="365" r:id="rId35"/>
-    <p:sldId id="294" r:id="rId36"/>
-    <p:sldId id="307" r:id="rId37"/>
-    <p:sldId id="366" r:id="rId38"/>
-    <p:sldId id="367" r:id="rId39"/>
-    <p:sldId id="368" r:id="rId40"/>
+    <p:sldId id="365" r:id="rId34"/>
+    <p:sldId id="294" r:id="rId35"/>
+    <p:sldId id="307" r:id="rId36"/>
+    <p:sldId id="366" r:id="rId37"/>
+    <p:sldId id="367" r:id="rId38"/>
+    <p:sldId id="368" r:id="rId39"/>
+    <p:sldId id="376" r:id="rId40"/>
     <p:sldId id="4492" r:id="rId41"/>
     <p:sldId id="370" r:id="rId42"/>
     <p:sldId id="371" r:id="rId43"/>
@@ -54,12 +54,13 @@
     <p:sldId id="373" r:id="rId45"/>
     <p:sldId id="374" r:id="rId46"/>
     <p:sldId id="4493" r:id="rId47"/>
-    <p:sldId id="4494" r:id="rId48"/>
-    <p:sldId id="4488" r:id="rId49"/>
-    <p:sldId id="4489" r:id="rId50"/>
-    <p:sldId id="4495" r:id="rId51"/>
-    <p:sldId id="4496" r:id="rId52"/>
-    <p:sldId id="4476" r:id="rId53"/>
+    <p:sldId id="4497" r:id="rId48"/>
+    <p:sldId id="4494" r:id="rId49"/>
+    <p:sldId id="4488" r:id="rId50"/>
+    <p:sldId id="4489" r:id="rId51"/>
+    <p:sldId id="4495" r:id="rId52"/>
+    <p:sldId id="4496" r:id="rId53"/>
+    <p:sldId id="4476" r:id="rId54"/>
   </p:sldIdLst>
   <p:sldSz cx="12436475" cy="6994525"/>
   <p:notesSz cx="7010400" cy="9296400"/>
@@ -499,7 +500,7 @@
           <a:p>
             <a:fld id="{DCE60099-03E7-4FA1-8A7F-E6E6CFB0F855}" type="datetime8">
               <a:rPr lang="en-US" smtClean="0"/>
-              <a:t>1/28/2021 9:13 AM</a:t>
+              <a:t>1/28/2021 12:35 PM</a:t>
             </a:fld>
             <a:endParaRPr lang="en-US"/>
           </a:p>
@@ -5191,11 +5192,11 @@
   <p:clrMapOvr>
     <a:masterClrMapping/>
   </p:clrMapOvr>
-  <mc:AlternateContent xmlns:mc="http://schemas.openxmlformats.org/markup-compatibility/2006">
-    <mc:Choice xmlns:p14="http://schemas.microsoft.com/office/powerpoint/2010/main" Requires="p14">
+  <mc:AlternateContent xmlns:mc="http://schemas.openxmlformats.org/markup-compatibility/2006" xmlns:p14="http://schemas.microsoft.com/office/powerpoint/2010/main">
+    <mc:Choice Requires="p14">
       <p:transition p14:dur="0"/>
     </mc:Choice>
-    <mc:Fallback>
+    <mc:Fallback xmlns="">
       <p:transition/>
     </mc:Fallback>
   </mc:AlternateContent>
@@ -8521,11 +8522,11 @@
   <p:clrMapOvr>
     <a:masterClrMapping/>
   </p:clrMapOvr>
-  <mc:AlternateContent xmlns:mc="http://schemas.openxmlformats.org/markup-compatibility/2006">
-    <mc:Choice xmlns:p14="http://schemas.microsoft.com/office/powerpoint/2010/main" Requires="p14">
+  <mc:AlternateContent xmlns:mc="http://schemas.openxmlformats.org/markup-compatibility/2006" xmlns:p14="http://schemas.microsoft.com/office/powerpoint/2010/main">
+    <mc:Choice Requires="p14">
       <p:transition p14:dur="0"/>
     </mc:Choice>
-    <mc:Fallback>
+    <mc:Fallback xmlns="">
       <p:transition/>
     </mc:Fallback>
   </mc:AlternateContent>
@@ -8617,23 +8618,33 @@
           <a:p>
             <a:pPr lvl="1"/>
             <a:r>
-              <a:rPr lang="en-US" dirty="0" err="1"/>
+              <a:rPr lang="en-US" sz="2300" b="1" dirty="0" err="1">
+                <a:solidFill>
+                  <a:schemeClr val="tx2"/>
+                </a:solidFill>
+                <a:latin typeface="Lucida Console" panose="020B0609040504020204" pitchFamily="49" charset="0"/>
+              </a:rPr>
               <a:t>dataRoles</a:t>
             </a:r>
             <a:r>
               <a:rPr lang="en-US" dirty="0"/>
-              <a:t> defines the field wells displayed on Fields pane</a:t>
+              <a:t> define the field wells displayed on Fields pane</a:t>
             </a:r>
           </a:p>
           <a:p>
             <a:pPr lvl="1"/>
             <a:r>
-              <a:rPr lang="en-US" dirty="0" err="1"/>
+              <a:rPr lang="en-US" sz="2300" b="1" dirty="0" err="1">
+                <a:solidFill>
+                  <a:schemeClr val="tx2"/>
+                </a:solidFill>
+                <a:latin typeface="Lucida Console" panose="020B0609040504020204" pitchFamily="49" charset="0"/>
+              </a:rPr>
               <a:t>dataViewMappings</a:t>
             </a:r>
             <a:r>
               <a:rPr lang="en-US" dirty="0"/>
-              <a:t> defines the type of </a:t>
+              <a:t> define the type of </a:t>
             </a:r>
             <a:r>
               <a:rPr lang="en-US" dirty="0" err="1"/>
@@ -8647,18 +8658,27 @@
           <a:p>
             <a:pPr lvl="1"/>
             <a:r>
-              <a:rPr lang="en-US" dirty="0"/>
-              <a:t>objects defines custom properties for visual</a:t>
+              <a:rPr lang="en-US" sz="2300" b="1" dirty="0">
+                <a:solidFill>
+                  <a:schemeClr val="tx2"/>
+                </a:solidFill>
+                <a:latin typeface="Lucida Console" panose="020B0609040504020204" pitchFamily="49" charset="0"/>
+              </a:rPr>
+              <a:t>objects</a:t>
+            </a:r>
+            <a:r>
+              <a:rPr lang="en-US" dirty="0"/>
+              <a:t> created to define custom properties support by visual</a:t>
             </a:r>
           </a:p>
         </p:txBody>
       </p:sp>
       <p:pic>
         <p:nvPicPr>
-          <p:cNvPr id="3" name="Picture 2">
+          <p:cNvPr id="6" name="Picture 5">
             <a:extLst>
               <a:ext uri="{FF2B5EF4-FFF2-40B4-BE49-F238E27FC236}">
-                <a16:creationId xmlns:a16="http://schemas.microsoft.com/office/drawing/2014/main" id="{B8DD4B20-A257-435A-A0D2-F2DDDEB41CB1}"/>
+                <a16:creationId xmlns:a16="http://schemas.microsoft.com/office/drawing/2014/main" id="{A9D70F8E-468F-4358-A670-451392F910E7}"/>
               </a:ext>
             </a:extLst>
           </p:cNvPr>
@@ -8675,38 +8695,8 @@
         </p:blipFill>
         <p:spPr>
           <a:xfrm>
-            <a:off x="2720975" y="3186394"/>
-            <a:ext cx="2486942" cy="3291270"/>
-          </a:xfrm>
-          <a:prstGeom prst="rect">
-            <a:avLst/>
-          </a:prstGeom>
-        </p:spPr>
-      </p:pic>
-      <p:pic>
-        <p:nvPicPr>
-          <p:cNvPr id="8" name="Picture 7">
-            <a:extLst>
-              <a:ext uri="{FF2B5EF4-FFF2-40B4-BE49-F238E27FC236}">
-                <a16:creationId xmlns:a16="http://schemas.microsoft.com/office/drawing/2014/main" id="{618E7F94-AFD3-4C2D-A444-307D1625B60D}"/>
-              </a:ext>
-            </a:extLst>
-          </p:cNvPr>
-          <p:cNvPicPr>
-            <a:picLocks noChangeAspect="1"/>
-          </p:cNvPicPr>
-          <p:nvPr/>
-        </p:nvPicPr>
-        <p:blipFill>
-          <a:blip r:embed="rId3"/>
-          <a:stretch>
-            <a:fillRect/>
-          </a:stretch>
-        </p:blipFill>
-        <p:spPr>
-          <a:xfrm>
-            <a:off x="5511719" y="3186394"/>
-            <a:ext cx="4663017" cy="1787490"/>
+            <a:off x="1075418" y="3127279"/>
+            <a:ext cx="8428283" cy="3600091"/>
           </a:xfrm>
           <a:prstGeom prst="rect">
             <a:avLst/>
@@ -8714,8 +8704,7 @@
           <a:ln>
             <a:solidFill>
               <a:schemeClr val="tx1">
-                <a:lumMod val="50000"/>
-                <a:lumOff val="50000"/>
+                <a:lumMod val="75000"/>
               </a:schemeClr>
             </a:solidFill>
           </a:ln>
@@ -8872,8 +8861,8 @@
         </p:blipFill>
         <p:spPr>
           <a:xfrm>
-            <a:off x="1076607" y="3010027"/>
-            <a:ext cx="4075283" cy="2316168"/>
+            <a:off x="913321" y="3323223"/>
+            <a:ext cx="4533923" cy="2576834"/>
           </a:xfrm>
           <a:prstGeom prst="rect">
             <a:avLst/>
@@ -8888,44 +8877,155 @@
           </a:ln>
         </p:spPr>
       </p:pic>
-      <p:pic>
-        <p:nvPicPr>
-          <p:cNvPr id="8" name="Picture 7">
+      <p:grpSp>
+        <p:nvGrpSpPr>
+          <p:cNvPr id="19" name="Group 18">
             <a:extLst>
               <a:ext uri="{FF2B5EF4-FFF2-40B4-BE49-F238E27FC236}">
-                <a16:creationId xmlns:a16="http://schemas.microsoft.com/office/drawing/2014/main" id="{33DC4246-8998-4F6B-AC52-2B07F4BC8E14}"/>
+                <a16:creationId xmlns:a16="http://schemas.microsoft.com/office/drawing/2014/main" id="{3934F77F-80C3-4230-94D8-F999B9B5567F}"/>
               </a:ext>
             </a:extLst>
           </p:cNvPr>
-          <p:cNvPicPr>
-            <a:picLocks noChangeAspect="1"/>
-          </p:cNvPicPr>
+          <p:cNvGrpSpPr/>
           <p:nvPr/>
-        </p:nvPicPr>
-        <p:blipFill>
-          <a:blip r:embed="rId3"/>
-          <a:stretch>
-            <a:fillRect/>
-          </a:stretch>
-        </p:blipFill>
-        <p:spPr>
-          <a:xfrm>
-            <a:off x="5820798" y="3010027"/>
-            <a:ext cx="2409225" cy="1894351"/>
-          </a:xfrm>
-          <a:prstGeom prst="rect">
-            <a:avLst/>
-          </a:prstGeom>
-          <a:ln>
-            <a:solidFill>
-              <a:schemeClr val="tx1">
-                <a:lumMod val="95000"/>
-                <a:lumOff val="5000"/>
-              </a:schemeClr>
-            </a:solidFill>
-          </a:ln>
-        </p:spPr>
-      </p:pic>
+        </p:nvGrpSpPr>
+        <p:grpSpPr>
+          <a:xfrm>
+            <a:off x="4608854" y="2931023"/>
+            <a:ext cx="5906434" cy="3606302"/>
+            <a:chOff x="4608854" y="2931023"/>
+            <a:chExt cx="5906434" cy="3606302"/>
+          </a:xfrm>
+        </p:grpSpPr>
+        <p:pic>
+          <p:nvPicPr>
+            <p:cNvPr id="9" name="Picture 8">
+              <a:extLst>
+                <a:ext uri="{FF2B5EF4-FFF2-40B4-BE49-F238E27FC236}">
+                  <a16:creationId xmlns:a16="http://schemas.microsoft.com/office/drawing/2014/main" id="{48E11B1D-E231-4687-A706-0092B974466D}"/>
+                </a:ext>
+              </a:extLst>
+            </p:cNvPr>
+            <p:cNvPicPr>
+              <a:picLocks noChangeAspect="1"/>
+            </p:cNvPicPr>
+            <p:nvPr/>
+          </p:nvPicPr>
+          <p:blipFill>
+            <a:blip r:embed="rId3"/>
+            <a:stretch>
+              <a:fillRect/>
+            </a:stretch>
+          </p:blipFill>
+          <p:spPr>
+            <a:xfrm>
+              <a:off x="6577465" y="2931023"/>
+              <a:ext cx="3937823" cy="3606302"/>
+            </a:xfrm>
+            <a:prstGeom prst="rect">
+              <a:avLst/>
+            </a:prstGeom>
+            <a:ln>
+              <a:solidFill>
+                <a:schemeClr val="tx1">
+                  <a:lumMod val="40000"/>
+                  <a:lumOff val="60000"/>
+                </a:schemeClr>
+              </a:solidFill>
+            </a:ln>
+          </p:spPr>
+        </p:pic>
+        <p:cxnSp>
+          <p:nvCxnSpPr>
+            <p:cNvPr id="11" name="Straight Arrow Connector 10">
+              <a:extLst>
+                <a:ext uri="{FF2B5EF4-FFF2-40B4-BE49-F238E27FC236}">
+                  <a16:creationId xmlns:a16="http://schemas.microsoft.com/office/drawing/2014/main" id="{B2757DF7-C84A-4ADF-90F9-2E57565038CD}"/>
+                </a:ext>
+              </a:extLst>
+            </p:cNvPr>
+            <p:cNvCxnSpPr>
+              <a:cxnSpLocks/>
+            </p:cNvCxnSpPr>
+            <p:nvPr/>
+          </p:nvCxnSpPr>
+          <p:spPr>
+            <a:xfrm>
+              <a:off x="4608854" y="4200931"/>
+              <a:ext cx="1881525" cy="1176135"/>
+            </a:xfrm>
+            <a:prstGeom prst="straightConnector1">
+              <a:avLst/>
+            </a:prstGeom>
+            <a:ln w="28575">
+              <a:solidFill>
+                <a:schemeClr val="tx1"/>
+              </a:solidFill>
+              <a:headEnd type="none"/>
+              <a:tailEnd type="triangle"/>
+            </a:ln>
+          </p:spPr>
+          <p:style>
+            <a:lnRef idx="1">
+              <a:schemeClr val="accent1"/>
+            </a:lnRef>
+            <a:fillRef idx="0">
+              <a:schemeClr val="accent1"/>
+            </a:fillRef>
+            <a:effectRef idx="0">
+              <a:schemeClr val="accent1"/>
+            </a:effectRef>
+            <a:fontRef idx="minor">
+              <a:schemeClr val="tx1"/>
+            </a:fontRef>
+          </p:style>
+        </p:cxnSp>
+        <p:cxnSp>
+          <p:nvCxnSpPr>
+            <p:cNvPr id="13" name="Straight Arrow Connector 12">
+              <a:extLst>
+                <a:ext uri="{FF2B5EF4-FFF2-40B4-BE49-F238E27FC236}">
+                  <a16:creationId xmlns:a16="http://schemas.microsoft.com/office/drawing/2014/main" id="{57A9A71E-6620-44CA-9A7F-4A60CAC6133E}"/>
+                </a:ext>
+              </a:extLst>
+            </p:cNvPr>
+            <p:cNvCxnSpPr>
+              <a:cxnSpLocks/>
+            </p:cNvCxnSpPr>
+            <p:nvPr/>
+          </p:nvCxnSpPr>
+          <p:spPr>
+            <a:xfrm>
+              <a:off x="4608854" y="5225143"/>
+              <a:ext cx="1881525" cy="751114"/>
+            </a:xfrm>
+            <a:prstGeom prst="straightConnector1">
+              <a:avLst/>
+            </a:prstGeom>
+            <a:ln w="28575">
+              <a:solidFill>
+                <a:schemeClr val="tx1"/>
+              </a:solidFill>
+              <a:headEnd type="none"/>
+              <a:tailEnd type="triangle"/>
+            </a:ln>
+          </p:spPr>
+          <p:style>
+            <a:lnRef idx="1">
+              <a:schemeClr val="accent1"/>
+            </a:lnRef>
+            <a:fillRef idx="0">
+              <a:schemeClr val="accent1"/>
+            </a:fillRef>
+            <a:effectRef idx="0">
+              <a:schemeClr val="accent1"/>
+            </a:effectRef>
+            <a:fontRef idx="minor">
+              <a:schemeClr val="tx1"/>
+            </a:fontRef>
+          </p:style>
+        </p:cxnSp>
+      </p:grpSp>
     </p:spTree>
     <p:extLst>
       <p:ext uri="{BB962C8B-B14F-4D97-AF65-F5344CB8AC3E}">
@@ -8939,6 +9039,81 @@
   <p:transition>
     <p:fade/>
   </p:transition>
+  <p:timing>
+    <p:tnLst>
+      <p:par>
+        <p:cTn id="1" dur="indefinite" restart="never" nodeType="tmRoot">
+          <p:childTnLst>
+            <p:seq concurrent="1" nextAc="seek">
+              <p:cTn id="2" dur="indefinite" nodeType="mainSeq">
+                <p:childTnLst>
+                  <p:par>
+                    <p:cTn id="3" fill="hold">
+                      <p:stCondLst>
+                        <p:cond delay="indefinite"/>
+                      </p:stCondLst>
+                      <p:childTnLst>
+                        <p:par>
+                          <p:cTn id="4" fill="hold">
+                            <p:stCondLst>
+                              <p:cond delay="0"/>
+                            </p:stCondLst>
+                            <p:childTnLst>
+                              <p:par>
+                                <p:cTn id="5" presetID="1" presetClass="entr" presetSubtype="0" fill="hold" nodeType="clickEffect">
+                                  <p:stCondLst>
+                                    <p:cond delay="0"/>
+                                  </p:stCondLst>
+                                  <p:childTnLst>
+                                    <p:set>
+                                      <p:cBhvr>
+                                        <p:cTn id="6" dur="1" fill="hold">
+                                          <p:stCondLst>
+                                            <p:cond delay="0"/>
+                                          </p:stCondLst>
+                                        </p:cTn>
+                                        <p:tgtEl>
+                                          <p:spTgt spid="19"/>
+                                        </p:tgtEl>
+                                        <p:attrNameLst>
+                                          <p:attrName>style.visibility</p:attrName>
+                                        </p:attrNameLst>
+                                      </p:cBhvr>
+                                      <p:to>
+                                        <p:strVal val="visible"/>
+                                      </p:to>
+                                    </p:set>
+                                  </p:childTnLst>
+                                </p:cTn>
+                              </p:par>
+                            </p:childTnLst>
+                          </p:cTn>
+                        </p:par>
+                      </p:childTnLst>
+                    </p:cTn>
+                  </p:par>
+                </p:childTnLst>
+              </p:cTn>
+              <p:prevCondLst>
+                <p:cond evt="onPrev" delay="0">
+                  <p:tgtEl>
+                    <p:sldTgt/>
+                  </p:tgtEl>
+                </p:cond>
+              </p:prevCondLst>
+              <p:nextCondLst>
+                <p:cond evt="onNext" delay="0">
+                  <p:tgtEl>
+                    <p:sldTgt/>
+                  </p:tgtEl>
+                </p:cond>
+              </p:nextCondLst>
+            </p:seq>
+          </p:childTnLst>
+        </p:cTn>
+      </p:par>
+    </p:tnLst>
+  </p:timing>
 </p:sld>
 </file>
 
@@ -9723,7 +9898,7 @@
           <p:cNvPr id="2" name="Title 1">
             <a:extLst>
               <a:ext uri="{FF2B5EF4-FFF2-40B4-BE49-F238E27FC236}">
-                <a16:creationId xmlns:a16="http://schemas.microsoft.com/office/drawing/2014/main" id="{EC9D5E23-ACB3-438E-80EF-91CB0582800C}"/>
+                <a16:creationId xmlns:a16="http://schemas.microsoft.com/office/drawing/2014/main" id="{F63A1FC9-8046-4D5E-A558-7DAC9A543FE3}"/>
               </a:ext>
             </a:extLst>
           </p:cNvPr>
@@ -9746,17 +9921,22 @@
           <a:p>
             <a:r>
               <a:rPr lang="en-US" dirty="0"/>
-              <a:t>Designing with  View Model</a:t>
-            </a:r>
+              <a:t>Single Mapping Example: </a:t>
+            </a:r>
+            <a:r>
+              <a:rPr lang="en-US" dirty="0" err="1"/>
+              <a:t>oneBigNumber</a:t>
+            </a:r>
+            <a:endParaRPr lang="en-US" dirty="0"/>
           </a:p>
         </p:txBody>
       </p:sp>
       <p:sp>
         <p:nvSpPr>
-          <p:cNvPr id="3" name="Content Placeholder 2">
+          <p:cNvPr id="5" name="Content Placeholder 4">
             <a:extLst>
               <a:ext uri="{FF2B5EF4-FFF2-40B4-BE49-F238E27FC236}">
-                <a16:creationId xmlns:a16="http://schemas.microsoft.com/office/drawing/2014/main" id="{1DA7BA13-2E2B-44EA-9B88-673454E647B2}"/>
+                <a16:creationId xmlns:a16="http://schemas.microsoft.com/office/drawing/2014/main" id="{547A3AB3-78B5-47CD-979B-1E3B500DA84C}"/>
               </a:ext>
             </a:extLst>
           </p:cNvPr>
@@ -9775,56 +9955,57 @@
         </p:spPr>
         <p:txBody>
           <a:bodyPr>
-            <a:normAutofit fontScale="77500" lnSpcReduction="20000"/>
+            <a:normAutofit lnSpcReduction="10000"/>
           </a:bodyPr>
           <a:lstStyle/>
           <a:p>
             <a:r>
-              <a:rPr lang="en-US" dirty="0"/>
-              <a:t>Best practice involves creating view model for each visual</a:t>
+              <a:rPr lang="en-US" dirty="0" err="1"/>
+              <a:t>dataRole</a:t>
+            </a:r>
+            <a:r>
+              <a:rPr lang="en-US" dirty="0"/>
+              <a:t> can use </a:t>
+            </a:r>
+            <a:r>
+              <a:rPr lang="en-US" dirty="0" err="1"/>
+              <a:t>dataViewMapping</a:t>
+            </a:r>
+            <a:r>
+              <a:rPr lang="en-US" dirty="0"/>
+              <a:t> mode of single</a:t>
             </a:r>
           </a:p>
           <a:p>
             <a:pPr lvl="1"/>
             <a:r>
               <a:rPr lang="en-US" dirty="0"/>
-              <a:t>View model defines data required for rendering</a:t>
+              <a:t>For visuals like Card which only display single value</a:t>
             </a:r>
           </a:p>
           <a:p>
             <a:pPr lvl="1"/>
             <a:r>
+              <a:rPr lang="en-US" dirty="0"/>
+              <a:t>Condition can define that a </a:t>
+            </a:r>
+            <a:r>
               <a:rPr lang="en-US" dirty="0" err="1"/>
-              <a:t>createViewModel</a:t>
-            </a:r>
-            <a:r>
-              <a:rPr lang="en-US" dirty="0"/>
-              <a:t> method gets data to generate view model</a:t>
-            </a:r>
-          </a:p>
-          <a:p>
-            <a:pPr lvl="1"/>
-            <a:r>
-              <a:rPr lang="en-US" dirty="0"/>
-              <a:t>update method calls </a:t>
-            </a:r>
-            <a:r>
-              <a:rPr lang="en-US" dirty="0" err="1"/>
-              <a:t>createViewModel</a:t>
-            </a:r>
-            <a:r>
-              <a:rPr lang="en-US" dirty="0"/>
-              <a:t> to get view model</a:t>
+              <a:t>dataRole</a:t>
+            </a:r>
+            <a:r>
+              <a:rPr lang="en-US" dirty="0"/>
+              <a:t> requires exactly one measure</a:t>
             </a:r>
           </a:p>
         </p:txBody>
       </p:sp>
       <p:pic>
         <p:nvPicPr>
-          <p:cNvPr id="4" name="Picture 3">
+          <p:cNvPr id="3" name="Picture 2">
             <a:extLst>
               <a:ext uri="{FF2B5EF4-FFF2-40B4-BE49-F238E27FC236}">
-                <a16:creationId xmlns:a16="http://schemas.microsoft.com/office/drawing/2014/main" id="{2D7F9987-FB99-466B-873B-54DEE0121EFB}"/>
+                <a16:creationId xmlns:a16="http://schemas.microsoft.com/office/drawing/2014/main" id="{B77F2239-F0AD-451C-97BB-FC5AF0B87421}"/>
               </a:ext>
             </a:extLst>
           </p:cNvPr>
@@ -9841,8 +10022,8 @@
         </p:blipFill>
         <p:spPr>
           <a:xfrm>
-            <a:off x="2876408" y="3341828"/>
-            <a:ext cx="4735522" cy="2953244"/>
+            <a:off x="2798692" y="2804854"/>
+            <a:ext cx="5297075" cy="2098358"/>
           </a:xfrm>
           <a:prstGeom prst="rect">
             <a:avLst/>
@@ -9850,8 +10031,46 @@
           <a:ln>
             <a:solidFill>
               <a:schemeClr val="tx1">
-                <a:lumMod val="50000"/>
-                <a:lumOff val="50000"/>
+                <a:lumMod val="95000"/>
+                <a:lumOff val="5000"/>
+              </a:schemeClr>
+            </a:solidFill>
+          </a:ln>
+        </p:spPr>
+      </p:pic>
+      <p:pic>
+        <p:nvPicPr>
+          <p:cNvPr id="4" name="Picture 3">
+            <a:extLst>
+              <a:ext uri="{FF2B5EF4-FFF2-40B4-BE49-F238E27FC236}">
+                <a16:creationId xmlns:a16="http://schemas.microsoft.com/office/drawing/2014/main" id="{6FDC4550-EF8D-41F3-B797-4EB723BBA5B8}"/>
+              </a:ext>
+            </a:extLst>
+          </p:cNvPr>
+          <p:cNvPicPr>
+            <a:picLocks noChangeAspect="1"/>
+          </p:cNvPicPr>
+          <p:nvPr/>
+        </p:nvPicPr>
+        <p:blipFill>
+          <a:blip r:embed="rId3"/>
+          <a:stretch>
+            <a:fillRect/>
+          </a:stretch>
+        </p:blipFill>
+        <p:spPr>
+          <a:xfrm>
+            <a:off x="2815178" y="5163316"/>
+            <a:ext cx="5297075" cy="1560378"/>
+          </a:xfrm>
+          <a:prstGeom prst="rect">
+            <a:avLst/>
+          </a:prstGeom>
+          <a:ln>
+            <a:solidFill>
+              <a:schemeClr val="tx1">
+                <a:lumMod val="95000"/>
+                <a:lumOff val="5000"/>
               </a:schemeClr>
             </a:solidFill>
           </a:ln>
@@ -9860,7 +10079,7 @@
     </p:spTree>
     <p:extLst>
       <p:ext uri="{BB962C8B-B14F-4D97-AF65-F5344CB8AC3E}">
-        <p14:creationId xmlns:p14="http://schemas.microsoft.com/office/powerpoint/2010/main" val="3811302365"/>
+        <p14:creationId xmlns:p14="http://schemas.microsoft.com/office/powerpoint/2010/main" val="3146564580"/>
       </p:ext>
     </p:extLst>
   </p:cSld>
@@ -9918,22 +10137,17 @@
           <a:p>
             <a:r>
               <a:rPr lang="en-US" dirty="0"/>
-              <a:t>Single Mapping Example: </a:t>
-            </a:r>
-            <a:r>
-              <a:rPr lang="en-US" dirty="0" err="1"/>
-              <a:t>oneBigNumber</a:t>
-            </a:r>
-            <a:endParaRPr lang="en-US" dirty="0"/>
+              <a:t>Programming in Single Mapping Mode</a:t>
+            </a:r>
           </a:p>
         </p:txBody>
       </p:sp>
       <p:sp>
         <p:nvSpPr>
-          <p:cNvPr id="5" name="Content Placeholder 4">
+          <p:cNvPr id="4" name="Content Placeholder 3">
             <a:extLst>
               <a:ext uri="{FF2B5EF4-FFF2-40B4-BE49-F238E27FC236}">
-                <a16:creationId xmlns:a16="http://schemas.microsoft.com/office/drawing/2014/main" id="{547A3AB3-78B5-47CD-979B-1E3B500DA84C}"/>
+                <a16:creationId xmlns:a16="http://schemas.microsoft.com/office/drawing/2014/main" id="{1502745F-1BD7-48A6-BEE7-591E80AE881B}"/>
               </a:ext>
             </a:extLst>
           </p:cNvPr>
@@ -9952,57 +10166,75 @@
         </p:spPr>
         <p:txBody>
           <a:bodyPr>
-            <a:normAutofit lnSpcReduction="10000"/>
+            <a:noAutofit/>
           </a:bodyPr>
           <a:lstStyle/>
           <a:p>
             <a:r>
+              <a:rPr lang="en-US" dirty="0"/>
+              <a:t>Single mapping easy to access through visuals API</a:t>
+            </a:r>
+          </a:p>
+          <a:p>
+            <a:pPr lvl="1"/>
+            <a:r>
               <a:rPr lang="en-US" dirty="0" err="1"/>
-              <a:t>dataRole</a:t>
-            </a:r>
-            <a:r>
-              <a:rPr lang="en-US" dirty="0"/>
-              <a:t> can use </a:t>
+              <a:t>DataView</a:t>
+            </a:r>
+            <a:r>
+              <a:rPr lang="en-US" dirty="0"/>
+              <a:t> object provides </a:t>
             </a:r>
             <a:r>
               <a:rPr lang="en-US" dirty="0" err="1"/>
-              <a:t>dataViewMapping</a:t>
-            </a:r>
-            <a:r>
-              <a:rPr lang="en-US" dirty="0"/>
-              <a:t> mode of single</a:t>
+              <a:t>single.value</a:t>
+            </a:r>
+            <a:r>
+              <a:rPr lang="en-US" dirty="0"/>
+              <a:t> property</a:t>
             </a:r>
           </a:p>
           <a:p>
             <a:pPr lvl="1"/>
             <a:r>
               <a:rPr lang="en-US" dirty="0"/>
-              <a:t>For visuals like Card which only display single value</a:t>
+              <a:t>value property defined as </a:t>
+            </a:r>
+            <a:r>
+              <a:rPr lang="en-US" dirty="0" err="1"/>
+              <a:t>PrimativeValue</a:t>
+            </a:r>
+            <a:r>
+              <a:rPr lang="en-US" dirty="0"/>
+              <a:t> { bool | number | string }</a:t>
             </a:r>
           </a:p>
           <a:p>
             <a:pPr lvl="1"/>
             <a:r>
-              <a:rPr lang="en-US" dirty="0"/>
-              <a:t>Condition can define that a </a:t>
-            </a:r>
-            <a:r>
               <a:rPr lang="en-US" dirty="0" err="1"/>
-              <a:t>dataRole</a:t>
-            </a:r>
-            <a:r>
-              <a:rPr lang="en-US" dirty="0"/>
-              <a:t> requires exactly one measure</a:t>
+              <a:t>PrimativeValue</a:t>
+            </a:r>
+            <a:r>
+              <a:rPr lang="en-US" dirty="0"/>
+              <a:t> must be explicitly cast</a:t>
+            </a:r>
+          </a:p>
+          <a:p>
+            <a:pPr lvl="1"/>
+            <a:r>
+              <a:rPr lang="en-US" dirty="0"/>
+              <a:t>Other measure properties available through column metadata</a:t>
             </a:r>
           </a:p>
         </p:txBody>
       </p:sp>
       <p:pic>
         <p:nvPicPr>
-          <p:cNvPr id="3" name="Picture 2">
+          <p:cNvPr id="6" name="Picture 5">
             <a:extLst>
               <a:ext uri="{FF2B5EF4-FFF2-40B4-BE49-F238E27FC236}">
-                <a16:creationId xmlns:a16="http://schemas.microsoft.com/office/drawing/2014/main" id="{B77F2239-F0AD-451C-97BB-FC5AF0B87421}"/>
+                <a16:creationId xmlns:a16="http://schemas.microsoft.com/office/drawing/2014/main" id="{B68FE6F6-1F4F-47EA-BB7B-32AA1DE9D20E}"/>
               </a:ext>
             </a:extLst>
           </p:cNvPr>
@@ -10019,8 +10251,8 @@
         </p:blipFill>
         <p:spPr>
           <a:xfrm>
-            <a:off x="2798692" y="2804854"/>
-            <a:ext cx="5297075" cy="2098358"/>
+            <a:off x="4646657" y="3652696"/>
+            <a:ext cx="5136720" cy="1576566"/>
           </a:xfrm>
           <a:prstGeom prst="rect">
             <a:avLst/>
@@ -10037,10 +10269,10 @@
       </p:pic>
       <p:pic>
         <p:nvPicPr>
-          <p:cNvPr id="4" name="Picture 3">
+          <p:cNvPr id="7" name="Picture 6">
             <a:extLst>
               <a:ext uri="{FF2B5EF4-FFF2-40B4-BE49-F238E27FC236}">
-                <a16:creationId xmlns:a16="http://schemas.microsoft.com/office/drawing/2014/main" id="{6FDC4550-EF8D-41F3-B797-4EB723BBA5B8}"/>
+                <a16:creationId xmlns:a16="http://schemas.microsoft.com/office/drawing/2014/main" id="{051F8106-843F-4BE3-B0DB-EE327B843A91}"/>
               </a:ext>
             </a:extLst>
           </p:cNvPr>
@@ -10049,16 +10281,15 @@
           </p:cNvPicPr>
           <p:nvPr/>
         </p:nvPicPr>
-        <p:blipFill>
+        <p:blipFill rotWithShape="1">
           <a:blip r:embed="rId3"/>
-          <a:stretch>
-            <a:fillRect/>
-          </a:stretch>
+          <a:srcRect l="11429" t="6827" b="15296"/>
+          <a:stretch/>
         </p:blipFill>
         <p:spPr>
           <a:xfrm>
-            <a:off x="2815178" y="5163316"/>
-            <a:ext cx="5297075" cy="1560378"/>
+            <a:off x="1082572" y="3652696"/>
+            <a:ext cx="3111967" cy="2810808"/>
           </a:xfrm>
           <a:prstGeom prst="rect">
             <a:avLst/>
@@ -10076,7 +10307,7 @@
     </p:spTree>
     <p:extLst>
       <p:ext uri="{BB962C8B-B14F-4D97-AF65-F5344CB8AC3E}">
-        <p14:creationId xmlns:p14="http://schemas.microsoft.com/office/powerpoint/2010/main" val="3146564580"/>
+        <p14:creationId xmlns:p14="http://schemas.microsoft.com/office/powerpoint/2010/main" val="306055569"/>
       </p:ext>
     </p:extLst>
   </p:cSld>
@@ -10111,7 +10342,7 @@
           <p:cNvPr id="2" name="Title 1">
             <a:extLst>
               <a:ext uri="{FF2B5EF4-FFF2-40B4-BE49-F238E27FC236}">
-                <a16:creationId xmlns:a16="http://schemas.microsoft.com/office/drawing/2014/main" id="{F63A1FC9-8046-4D5E-A558-7DAC9A543FE3}"/>
+                <a16:creationId xmlns:a16="http://schemas.microsoft.com/office/drawing/2014/main" id="{2160D0D6-F302-49A4-ACE9-18D7ACEF1D3C}"/>
               </a:ext>
             </a:extLst>
           </p:cNvPr>
@@ -10134,17 +10365,17 @@
           <a:p>
             <a:r>
               <a:rPr lang="en-US" dirty="0"/>
-              <a:t>Programming in Single Mapping Mode</a:t>
+              <a:t>Using the Power BI Formatting Utilities</a:t>
             </a:r>
           </a:p>
         </p:txBody>
       </p:sp>
       <p:sp>
         <p:nvSpPr>
-          <p:cNvPr id="4" name="Content Placeholder 3">
+          <p:cNvPr id="3" name="Content Placeholder 2">
             <a:extLst>
               <a:ext uri="{FF2B5EF4-FFF2-40B4-BE49-F238E27FC236}">
-                <a16:creationId xmlns:a16="http://schemas.microsoft.com/office/drawing/2014/main" id="{1502745F-1BD7-48A6-BEE7-591E80AE881B}"/>
+                <a16:creationId xmlns:a16="http://schemas.microsoft.com/office/drawing/2014/main" id="{2F309AEE-5292-4500-B1D9-64A2F77F588B}"/>
               </a:ext>
             </a:extLst>
           </p:cNvPr>
@@ -10163,75 +10394,54 @@
         </p:spPr>
         <p:txBody>
           <a:bodyPr>
-            <a:noAutofit/>
+            <a:normAutofit/>
           </a:bodyPr>
           <a:lstStyle/>
           <a:p>
             <a:r>
               <a:rPr lang="en-US" dirty="0"/>
-              <a:t>Single mapping easy to access through visuals API</a:t>
+              <a:t>Used to format values using Power BI formatting strings</a:t>
             </a:r>
           </a:p>
           <a:p>
             <a:pPr lvl="1"/>
             <a:r>
+              <a:rPr lang="en-US" dirty="0"/>
+              <a:t>Requires installing </a:t>
+            </a:r>
+            <a:r>
               <a:rPr lang="en-US" dirty="0" err="1"/>
-              <a:t>DataView</a:t>
-            </a:r>
-            <a:r>
-              <a:rPr lang="en-US" dirty="0"/>
-              <a:t> object provides </a:t>
+              <a:t>powerbi</a:t>
+            </a:r>
+            <a:r>
+              <a:rPr lang="en-US" dirty="0"/>
+              <a:t>-visuals-</a:t>
             </a:r>
             <a:r>
               <a:rPr lang="en-US" dirty="0" err="1"/>
-              <a:t>single.value</a:t>
-            </a:r>
-            <a:r>
-              <a:rPr lang="en-US" dirty="0"/>
-              <a:t> property</a:t>
-            </a:r>
-          </a:p>
-          <a:p>
-            <a:pPr lvl="1"/>
-            <a:r>
-              <a:rPr lang="en-US" dirty="0"/>
-              <a:t>value property defined as </a:t>
+              <a:t>utils</a:t>
+            </a:r>
+            <a:r>
+              <a:rPr lang="en-US" dirty="0"/>
+              <a:t>-</a:t>
             </a:r>
             <a:r>
               <a:rPr lang="en-US" dirty="0" err="1"/>
-              <a:t>PrimativeValue</a:t>
-            </a:r>
-            <a:r>
-              <a:rPr lang="en-US" dirty="0"/>
-              <a:t> { bool | number | string }</a:t>
-            </a:r>
-          </a:p>
-          <a:p>
-            <a:pPr lvl="1"/>
-            <a:r>
-              <a:rPr lang="en-US" dirty="0" err="1"/>
-              <a:t>PrimativeValue</a:t>
-            </a:r>
-            <a:r>
-              <a:rPr lang="en-US" dirty="0"/>
-              <a:t> must be explicitly cast</a:t>
-            </a:r>
-          </a:p>
-          <a:p>
-            <a:pPr lvl="1"/>
-            <a:r>
-              <a:rPr lang="en-US" dirty="0"/>
-              <a:t>Other measure properties available through column metadata</a:t>
+              <a:t>formattingutils</a:t>
+            </a:r>
+            <a:r>
+              <a:rPr lang="en-US" dirty="0"/>
+              <a:t> package</a:t>
             </a:r>
           </a:p>
         </p:txBody>
       </p:sp>
       <p:pic>
         <p:nvPicPr>
-          <p:cNvPr id="6" name="Picture 5">
+          <p:cNvPr id="5" name="Picture 4">
             <a:extLst>
               <a:ext uri="{FF2B5EF4-FFF2-40B4-BE49-F238E27FC236}">
-                <a16:creationId xmlns:a16="http://schemas.microsoft.com/office/drawing/2014/main" id="{B68FE6F6-1F4F-47EA-BB7B-32AA1DE9D20E}"/>
+                <a16:creationId xmlns:a16="http://schemas.microsoft.com/office/drawing/2014/main" id="{A1CFCD1B-434B-4D4B-B549-BF94528F3040}"/>
               </a:ext>
             </a:extLst>
           </p:cNvPr>
@@ -10248,8 +10458,8 @@
         </p:blipFill>
         <p:spPr>
           <a:xfrm>
-            <a:off x="4646657" y="3652696"/>
-            <a:ext cx="5136720" cy="1576566"/>
+            <a:off x="1316001" y="2415652"/>
+            <a:ext cx="6733589" cy="1819889"/>
           </a:xfrm>
           <a:prstGeom prst="rect">
             <a:avLst/>
@@ -10257,8 +10467,46 @@
           <a:ln>
             <a:solidFill>
               <a:schemeClr val="tx1">
-                <a:lumMod val="95000"/>
-                <a:lumOff val="5000"/>
+                <a:lumMod val="50000"/>
+                <a:lumOff val="50000"/>
+              </a:schemeClr>
+            </a:solidFill>
+          </a:ln>
+        </p:spPr>
+      </p:pic>
+      <p:pic>
+        <p:nvPicPr>
+          <p:cNvPr id="6" name="Picture 5">
+            <a:extLst>
+              <a:ext uri="{FF2B5EF4-FFF2-40B4-BE49-F238E27FC236}">
+                <a16:creationId xmlns:a16="http://schemas.microsoft.com/office/drawing/2014/main" id="{13A66F53-5106-4D0B-9B38-343A011677B1}"/>
+              </a:ext>
+            </a:extLst>
+          </p:cNvPr>
+          <p:cNvPicPr>
+            <a:picLocks noChangeAspect="1"/>
+          </p:cNvPicPr>
+          <p:nvPr/>
+        </p:nvPicPr>
+        <p:blipFill>
+          <a:blip r:embed="rId3"/>
+          <a:stretch>
+            <a:fillRect/>
+          </a:stretch>
+        </p:blipFill>
+        <p:spPr>
+          <a:xfrm>
+            <a:off x="4800278" y="4419574"/>
+            <a:ext cx="2931515" cy="1116767"/>
+          </a:xfrm>
+          <a:prstGeom prst="rect">
+            <a:avLst/>
+          </a:prstGeom>
+          <a:ln>
+            <a:solidFill>
+              <a:schemeClr val="tx1">
+                <a:lumMod val="50000"/>
+                <a:lumOff val="50000"/>
               </a:schemeClr>
             </a:solidFill>
           </a:ln>
@@ -10269,7 +10517,7 @@
           <p:cNvPr id="7" name="Picture 6">
             <a:extLst>
               <a:ext uri="{FF2B5EF4-FFF2-40B4-BE49-F238E27FC236}">
-                <a16:creationId xmlns:a16="http://schemas.microsoft.com/office/drawing/2014/main" id="{051F8106-843F-4BE3-B0DB-EE327B843A91}"/>
+                <a16:creationId xmlns:a16="http://schemas.microsoft.com/office/drawing/2014/main" id="{E7142F17-FA55-4C5C-B790-6341D2DA72CF}"/>
               </a:ext>
             </a:extLst>
           </p:cNvPr>
@@ -10279,14 +10527,14 @@
           <p:nvPr/>
         </p:nvPicPr>
         <p:blipFill rotWithShape="1">
-          <a:blip r:embed="rId3"/>
-          <a:srcRect l="11429" t="6827" b="15296"/>
+          <a:blip r:embed="rId4"/>
+          <a:srcRect b="33323"/>
           <a:stretch/>
         </p:blipFill>
         <p:spPr>
           <a:xfrm>
-            <a:off x="1082572" y="3652696"/>
-            <a:ext cx="3111967" cy="2810808"/>
+            <a:off x="1316001" y="4419574"/>
+            <a:ext cx="3008002" cy="1029609"/>
           </a:xfrm>
           <a:prstGeom prst="rect">
             <a:avLst/>
@@ -10294,8 +10542,88 @@
           <a:ln>
             <a:solidFill>
               <a:schemeClr val="tx1">
-                <a:lumMod val="95000"/>
-                <a:lumOff val="5000"/>
+                <a:lumMod val="50000"/>
+                <a:lumOff val="50000"/>
+              </a:schemeClr>
+            </a:solidFill>
+          </a:ln>
+        </p:spPr>
+      </p:pic>
+      <p:pic>
+        <p:nvPicPr>
+          <p:cNvPr id="10" name="Picture 9">
+            <a:extLst>
+              <a:ext uri="{FF2B5EF4-FFF2-40B4-BE49-F238E27FC236}">
+                <a16:creationId xmlns:a16="http://schemas.microsoft.com/office/drawing/2014/main" id="{749213CD-B71E-4627-BB75-09312FB6FF43}"/>
+              </a:ext>
+            </a:extLst>
+          </p:cNvPr>
+          <p:cNvPicPr>
+            <a:picLocks noChangeAspect="1"/>
+          </p:cNvPicPr>
+          <p:nvPr/>
+        </p:nvPicPr>
+        <p:blipFill rotWithShape="1">
+          <a:blip r:embed="rId5"/>
+          <a:srcRect b="34195"/>
+          <a:stretch/>
+        </p:blipFill>
+        <p:spPr>
+          <a:xfrm>
+            <a:off x="1316001" y="5693226"/>
+            <a:ext cx="3009397" cy="1058676"/>
+          </a:xfrm>
+          <a:prstGeom prst="rect">
+            <a:avLst/>
+          </a:prstGeom>
+          <a:ln>
+            <a:solidFill>
+              <a:schemeClr val="tx1">
+                <a:lumMod val="50000"/>
+                <a:lumOff val="50000"/>
+              </a:schemeClr>
+            </a:solidFill>
+          </a:ln>
+        </p:spPr>
+      </p:pic>
+      <p:pic>
+        <p:nvPicPr>
+          <p:cNvPr id="11" name="Picture 10">
+            <a:extLst>
+              <a:ext uri="{FF2B5EF4-FFF2-40B4-BE49-F238E27FC236}">
+                <a16:creationId xmlns:a16="http://schemas.microsoft.com/office/drawing/2014/main" id="{517D1515-143D-4B00-9741-A8750413E881}"/>
+              </a:ext>
+            </a:extLst>
+          </p:cNvPr>
+          <p:cNvPicPr>
+            <a:picLocks noChangeAspect="1"/>
+          </p:cNvPicPr>
+          <p:nvPr/>
+        </p:nvPicPr>
+        <p:blipFill>
+          <a:blip r:embed="rId6"/>
+          <a:stretch>
+            <a:fillRect/>
+          </a:stretch>
+        </p:blipFill>
+        <p:spPr>
+          <a:xfrm>
+            <a:off x="4868121" y="5725363"/>
+            <a:ext cx="2863671" cy="1090526"/>
+          </a:xfrm>
+          <a:prstGeom prst="rect">
+            <a:avLst/>
+          </a:prstGeom>
+          <a:solidFill>
+            <a:schemeClr val="bg1">
+              <a:lumMod val="95000"/>
+            </a:schemeClr>
+          </a:solidFill>
+          <a:ln>
+            <a:solidFill>
+              <a:schemeClr val="tx1">
+                <a:lumMod val="50000"/>
+                <a:lumOff val="50000"/>
               </a:schemeClr>
             </a:solidFill>
           </a:ln>
@@ -10304,7 +10632,7 @@
     </p:spTree>
     <p:extLst>
       <p:ext uri="{BB962C8B-B14F-4D97-AF65-F5344CB8AC3E}">
-        <p14:creationId xmlns:p14="http://schemas.microsoft.com/office/powerpoint/2010/main" val="306055569"/>
+        <p14:creationId xmlns:p14="http://schemas.microsoft.com/office/powerpoint/2010/main" val="2387449039"/>
       </p:ext>
     </p:extLst>
   </p:cSld>
@@ -10339,7 +10667,7 @@
           <p:cNvPr id="2" name="Title 1">
             <a:extLst>
               <a:ext uri="{FF2B5EF4-FFF2-40B4-BE49-F238E27FC236}">
-                <a16:creationId xmlns:a16="http://schemas.microsoft.com/office/drawing/2014/main" id="{2160D0D6-F302-49A4-ACE9-18D7ACEF1D3C}"/>
+                <a16:creationId xmlns:a16="http://schemas.microsoft.com/office/drawing/2014/main" id="{DFB8F34A-F79D-4F5B-8E09-5B71422E5C34}"/>
               </a:ext>
             </a:extLst>
           </p:cNvPr>
@@ -10362,17 +10690,17 @@
           <a:p>
             <a:r>
               <a:rPr lang="en-US" dirty="0"/>
-              <a:t>Using the Power BI Formatting Utilities</a:t>
+              <a:t>Table Mapping Example: Snazzy Table</a:t>
             </a:r>
           </a:p>
         </p:txBody>
       </p:sp>
       <p:sp>
         <p:nvSpPr>
-          <p:cNvPr id="3" name="Content Placeholder 2">
+          <p:cNvPr id="5" name="Content Placeholder 4">
             <a:extLst>
               <a:ext uri="{FF2B5EF4-FFF2-40B4-BE49-F238E27FC236}">
-                <a16:creationId xmlns:a16="http://schemas.microsoft.com/office/drawing/2014/main" id="{2F309AEE-5292-4500-B1D9-64A2F77F588B}"/>
+                <a16:creationId xmlns:a16="http://schemas.microsoft.com/office/drawing/2014/main" id="{3A55904F-715C-4140-BD9B-543D0715A66E}"/>
               </a:ext>
             </a:extLst>
           </p:cNvPr>
@@ -10390,55 +10718,48 @@
           </a:xfrm>
         </p:spPr>
         <p:txBody>
-          <a:bodyPr>
-            <a:normAutofit/>
-          </a:bodyPr>
+          <a:bodyPr/>
           <a:lstStyle/>
           <a:p>
             <a:r>
-              <a:rPr lang="en-US" dirty="0"/>
-              <a:t>Used to format values using Power BI formatting strings</a:t>
+              <a:rPr lang="en-US" dirty="0" err="1"/>
+              <a:t>dataRole</a:t>
+            </a:r>
+            <a:r>
+              <a:rPr lang="en-US" dirty="0"/>
+              <a:t> can use </a:t>
+            </a:r>
+            <a:r>
+              <a:rPr lang="en-US" dirty="0" err="1"/>
+              <a:t>dataViewMapping</a:t>
+            </a:r>
+            <a:r>
+              <a:rPr lang="en-US" dirty="0"/>
+              <a:t> mode of table</a:t>
             </a:r>
           </a:p>
           <a:p>
             <a:pPr lvl="1"/>
             <a:r>
               <a:rPr lang="en-US" dirty="0"/>
-              <a:t>Requires installing </a:t>
-            </a:r>
-            <a:r>
-              <a:rPr lang="en-US" dirty="0" err="1"/>
-              <a:t>powerbi</a:t>
-            </a:r>
-            <a:r>
-              <a:rPr lang="en-US" dirty="0"/>
-              <a:t>-visuals-</a:t>
-            </a:r>
-            <a:r>
-              <a:rPr lang="en-US" dirty="0" err="1"/>
-              <a:t>utils</a:t>
-            </a:r>
-            <a:r>
-              <a:rPr lang="en-US" dirty="0"/>
-              <a:t>-</a:t>
-            </a:r>
-            <a:r>
-              <a:rPr lang="en-US" dirty="0" err="1"/>
-              <a:t>formattingutils</a:t>
-            </a:r>
-            <a:r>
-              <a:rPr lang="en-US" dirty="0"/>
-              <a:t> package</a:t>
+              <a:t>For visuals which display rows &amp; columns for ordered set of fields</a:t>
+            </a:r>
+          </a:p>
+          <a:p>
+            <a:pPr lvl="1"/>
+            <a:r>
+              <a:rPr lang="en-US" dirty="0"/>
+              <a:t>condition can define number of fields that can be added</a:t>
             </a:r>
           </a:p>
         </p:txBody>
       </p:sp>
       <p:pic>
         <p:nvPicPr>
-          <p:cNvPr id="5" name="Picture 4">
+          <p:cNvPr id="3" name="Picture 2">
             <a:extLst>
               <a:ext uri="{FF2B5EF4-FFF2-40B4-BE49-F238E27FC236}">
-                <a16:creationId xmlns:a16="http://schemas.microsoft.com/office/drawing/2014/main" id="{A1CFCD1B-434B-4D4B-B549-BF94528F3040}"/>
+                <a16:creationId xmlns:a16="http://schemas.microsoft.com/office/drawing/2014/main" id="{E6C6ABB3-BB9E-4471-8B46-8374DF8FD553}"/>
               </a:ext>
             </a:extLst>
           </p:cNvPr>
@@ -10455,8 +10776,8 @@
         </p:blipFill>
         <p:spPr>
           <a:xfrm>
-            <a:off x="1316001" y="2415652"/>
-            <a:ext cx="6733589" cy="1819889"/>
+            <a:off x="2911284" y="2875527"/>
+            <a:ext cx="5135323" cy="2122514"/>
           </a:xfrm>
           <a:prstGeom prst="rect">
             <a:avLst/>
@@ -10464,8 +10785,8 @@
           <a:ln>
             <a:solidFill>
               <a:schemeClr val="tx1">
-                <a:lumMod val="50000"/>
-                <a:lumOff val="50000"/>
+                <a:lumMod val="95000"/>
+                <a:lumOff val="5000"/>
               </a:schemeClr>
             </a:solidFill>
           </a:ln>
@@ -10473,10 +10794,10 @@
       </p:pic>
       <p:pic>
         <p:nvPicPr>
-          <p:cNvPr id="6" name="Picture 5">
+          <p:cNvPr id="4" name="Picture 3">
             <a:extLst>
               <a:ext uri="{FF2B5EF4-FFF2-40B4-BE49-F238E27FC236}">
-                <a16:creationId xmlns:a16="http://schemas.microsoft.com/office/drawing/2014/main" id="{13A66F53-5106-4D0B-9B38-343A011677B1}"/>
+                <a16:creationId xmlns:a16="http://schemas.microsoft.com/office/drawing/2014/main" id="{DD67698C-F9BC-4147-AD3B-60527B20E58D}"/>
               </a:ext>
             </a:extLst>
           </p:cNvPr>
@@ -10493,8 +10814,8 @@
         </p:blipFill>
         <p:spPr>
           <a:xfrm>
-            <a:off x="4800278" y="4419574"/>
-            <a:ext cx="2931515" cy="1116767"/>
+            <a:off x="2876409" y="5207035"/>
+            <a:ext cx="5205076" cy="1554339"/>
           </a:xfrm>
           <a:prstGeom prst="rect">
             <a:avLst/>
@@ -10502,125 +10823,8 @@
           <a:ln>
             <a:solidFill>
               <a:schemeClr val="tx1">
-                <a:lumMod val="50000"/>
-                <a:lumOff val="50000"/>
-              </a:schemeClr>
-            </a:solidFill>
-          </a:ln>
-        </p:spPr>
-      </p:pic>
-      <p:pic>
-        <p:nvPicPr>
-          <p:cNvPr id="7" name="Picture 6">
-            <a:extLst>
-              <a:ext uri="{FF2B5EF4-FFF2-40B4-BE49-F238E27FC236}">
-                <a16:creationId xmlns:a16="http://schemas.microsoft.com/office/drawing/2014/main" id="{E7142F17-FA55-4C5C-B790-6341D2DA72CF}"/>
-              </a:ext>
-            </a:extLst>
-          </p:cNvPr>
-          <p:cNvPicPr>
-            <a:picLocks noChangeAspect="1"/>
-          </p:cNvPicPr>
-          <p:nvPr/>
-        </p:nvPicPr>
-        <p:blipFill rotWithShape="1">
-          <a:blip r:embed="rId4"/>
-          <a:srcRect b="33323"/>
-          <a:stretch/>
-        </p:blipFill>
-        <p:spPr>
-          <a:xfrm>
-            <a:off x="1316001" y="4419574"/>
-            <a:ext cx="3008002" cy="1029609"/>
-          </a:xfrm>
-          <a:prstGeom prst="rect">
-            <a:avLst/>
-          </a:prstGeom>
-          <a:ln>
-            <a:solidFill>
-              <a:schemeClr val="tx1">
-                <a:lumMod val="50000"/>
-                <a:lumOff val="50000"/>
-              </a:schemeClr>
-            </a:solidFill>
-          </a:ln>
-        </p:spPr>
-      </p:pic>
-      <p:pic>
-        <p:nvPicPr>
-          <p:cNvPr id="10" name="Picture 9">
-            <a:extLst>
-              <a:ext uri="{FF2B5EF4-FFF2-40B4-BE49-F238E27FC236}">
-                <a16:creationId xmlns:a16="http://schemas.microsoft.com/office/drawing/2014/main" id="{749213CD-B71E-4627-BB75-09312FB6FF43}"/>
-              </a:ext>
-            </a:extLst>
-          </p:cNvPr>
-          <p:cNvPicPr>
-            <a:picLocks noChangeAspect="1"/>
-          </p:cNvPicPr>
-          <p:nvPr/>
-        </p:nvPicPr>
-        <p:blipFill rotWithShape="1">
-          <a:blip r:embed="rId5"/>
-          <a:srcRect b="34195"/>
-          <a:stretch/>
-        </p:blipFill>
-        <p:spPr>
-          <a:xfrm>
-            <a:off x="1316001" y="5693226"/>
-            <a:ext cx="3009397" cy="1058676"/>
-          </a:xfrm>
-          <a:prstGeom prst="rect">
-            <a:avLst/>
-          </a:prstGeom>
-          <a:ln>
-            <a:solidFill>
-              <a:schemeClr val="tx1">
-                <a:lumMod val="50000"/>
-                <a:lumOff val="50000"/>
-              </a:schemeClr>
-            </a:solidFill>
-          </a:ln>
-        </p:spPr>
-      </p:pic>
-      <p:pic>
-        <p:nvPicPr>
-          <p:cNvPr id="11" name="Picture 10">
-            <a:extLst>
-              <a:ext uri="{FF2B5EF4-FFF2-40B4-BE49-F238E27FC236}">
-                <a16:creationId xmlns:a16="http://schemas.microsoft.com/office/drawing/2014/main" id="{517D1515-143D-4B00-9741-A8750413E881}"/>
-              </a:ext>
-            </a:extLst>
-          </p:cNvPr>
-          <p:cNvPicPr>
-            <a:picLocks noChangeAspect="1"/>
-          </p:cNvPicPr>
-          <p:nvPr/>
-        </p:nvPicPr>
-        <p:blipFill>
-          <a:blip r:embed="rId6"/>
-          <a:stretch>
-            <a:fillRect/>
-          </a:stretch>
-        </p:blipFill>
-        <p:spPr>
-          <a:xfrm>
-            <a:off x="4868121" y="5725363"/>
-            <a:ext cx="2863671" cy="1090526"/>
-          </a:xfrm>
-          <a:prstGeom prst="rect">
-            <a:avLst/>
-          </a:prstGeom>
-          <a:solidFill>
-            <a:schemeClr val="bg1">
-              <a:lumMod val="95000"/>
-            </a:schemeClr>
-          </a:solidFill>
-          <a:ln>
-            <a:solidFill>
-              <a:schemeClr val="tx1">
-                <a:lumMod val="50000"/>
-                <a:lumOff val="50000"/>
+                <a:lumMod val="95000"/>
+                <a:lumOff val="5000"/>
               </a:schemeClr>
             </a:solidFill>
           </a:ln>
@@ -10629,7 +10833,7 @@
     </p:spTree>
     <p:extLst>
       <p:ext uri="{BB962C8B-B14F-4D97-AF65-F5344CB8AC3E}">
-        <p14:creationId xmlns:p14="http://schemas.microsoft.com/office/powerpoint/2010/main" val="2387449039"/>
+        <p14:creationId xmlns:p14="http://schemas.microsoft.com/office/powerpoint/2010/main" val="3849639557"/>
       </p:ext>
     </p:extLst>
   </p:cSld>
@@ -10664,7 +10868,7 @@
           <p:cNvPr id="2" name="Title 1">
             <a:extLst>
               <a:ext uri="{FF2B5EF4-FFF2-40B4-BE49-F238E27FC236}">
-                <a16:creationId xmlns:a16="http://schemas.microsoft.com/office/drawing/2014/main" id="{DFB8F34A-F79D-4F5B-8E09-5B71422E5C34}"/>
+                <a16:creationId xmlns:a16="http://schemas.microsoft.com/office/drawing/2014/main" id="{F93A00F9-C278-40B1-9F99-F3225136109C}"/>
               </a:ext>
             </a:extLst>
           </p:cNvPr>
@@ -10687,7 +10891,7 @@
           <a:p>
             <a:r>
               <a:rPr lang="en-US" dirty="0"/>
-              <a:t>Table Mapping Example: Snazzy Table</a:t>
+              <a:t>Programming in Table Mapping Mode</a:t>
             </a:r>
           </a:p>
         </p:txBody>
@@ -10697,7 +10901,7 @@
           <p:cNvPr id="5" name="Content Placeholder 4">
             <a:extLst>
               <a:ext uri="{FF2B5EF4-FFF2-40B4-BE49-F238E27FC236}">
-                <a16:creationId xmlns:a16="http://schemas.microsoft.com/office/drawing/2014/main" id="{3A55904F-715C-4140-BD9B-543D0715A66E}"/>
+                <a16:creationId xmlns:a16="http://schemas.microsoft.com/office/drawing/2014/main" id="{0A20FF18-6B86-45C2-B7AC-9740970507DF}"/>
               </a:ext>
             </a:extLst>
           </p:cNvPr>
@@ -10719,34 +10923,26 @@
           <a:lstStyle/>
           <a:p>
             <a:r>
+              <a:rPr lang="en-US" dirty="0"/>
+              <a:t>Table mapping data accessible through visuals API</a:t>
+            </a:r>
+          </a:p>
+          <a:p>
+            <a:pPr lvl="1"/>
+            <a:r>
               <a:rPr lang="en-US" dirty="0" err="1"/>
-              <a:t>dataRole</a:t>
-            </a:r>
-            <a:r>
-              <a:rPr lang="en-US" dirty="0"/>
-              <a:t> can use </a:t>
-            </a:r>
-            <a:r>
-              <a:rPr lang="en-US" dirty="0" err="1"/>
-              <a:t>dataViewMapping</a:t>
-            </a:r>
-            <a:r>
-              <a:rPr lang="en-US" dirty="0"/>
-              <a:t> mode of table</a:t>
+              <a:t>DataView</a:t>
+            </a:r>
+            <a:r>
+              <a:rPr lang="en-US" dirty="0"/>
+              <a:t> object provides table property</a:t>
             </a:r>
           </a:p>
           <a:p>
             <a:pPr lvl="1"/>
             <a:r>
               <a:rPr lang="en-US" dirty="0"/>
-              <a:t>For visuals which display rows &amp; columns for ordered set of fields</a:t>
-            </a:r>
-          </a:p>
-          <a:p>
-            <a:pPr lvl="1"/>
-            <a:r>
-              <a:rPr lang="en-US" dirty="0"/>
-              <a:t>condition can define number of fields that can be added</a:t>
+              <a:t>table property provides columns property and rows property</a:t>
             </a:r>
           </a:p>
         </p:txBody>
@@ -10756,7 +10952,7 @@
           <p:cNvPr id="3" name="Picture 2">
             <a:extLst>
               <a:ext uri="{FF2B5EF4-FFF2-40B4-BE49-F238E27FC236}">
-                <a16:creationId xmlns:a16="http://schemas.microsoft.com/office/drawing/2014/main" id="{E6C6ABB3-BB9E-4471-8B46-8374DF8FD553}"/>
+                <a16:creationId xmlns:a16="http://schemas.microsoft.com/office/drawing/2014/main" id="{DADF1AD4-E090-414F-AAF8-EE87CBF909EB}"/>
               </a:ext>
             </a:extLst>
           </p:cNvPr>
@@ -10773,8 +10969,8 @@
         </p:blipFill>
         <p:spPr>
           <a:xfrm>
-            <a:off x="2911284" y="2875527"/>
-            <a:ext cx="5135323" cy="2122514"/>
+            <a:off x="1032439" y="2908700"/>
+            <a:ext cx="3095913" cy="2953244"/>
           </a:xfrm>
           <a:prstGeom prst="rect">
             <a:avLst/>
@@ -10794,7 +10990,7 @@
           <p:cNvPr id="4" name="Picture 3">
             <a:extLst>
               <a:ext uri="{FF2B5EF4-FFF2-40B4-BE49-F238E27FC236}">
-                <a16:creationId xmlns:a16="http://schemas.microsoft.com/office/drawing/2014/main" id="{DD67698C-F9BC-4147-AD3B-60527B20E58D}"/>
+                <a16:creationId xmlns:a16="http://schemas.microsoft.com/office/drawing/2014/main" id="{F5058CCA-4643-4EFB-B120-9F715ABCBC79}"/>
               </a:ext>
             </a:extLst>
           </p:cNvPr>
@@ -10811,8 +11007,8 @@
         </p:blipFill>
         <p:spPr>
           <a:xfrm>
-            <a:off x="2876409" y="5207035"/>
-            <a:ext cx="5205076" cy="1554339"/>
+            <a:off x="4283786" y="2908701"/>
+            <a:ext cx="5086143" cy="1170772"/>
           </a:xfrm>
           <a:prstGeom prst="rect">
             <a:avLst/>
@@ -10830,7 +11026,7 @@
     </p:spTree>
     <p:extLst>
       <p:ext uri="{BB962C8B-B14F-4D97-AF65-F5344CB8AC3E}">
-        <p14:creationId xmlns:p14="http://schemas.microsoft.com/office/powerpoint/2010/main" val="3849639557"/>
+        <p14:creationId xmlns:p14="http://schemas.microsoft.com/office/powerpoint/2010/main" val="844756298"/>
       </p:ext>
     </p:extLst>
   </p:cSld>
@@ -10865,7 +11061,7 @@
           <p:cNvPr id="2" name="Title 1">
             <a:extLst>
               <a:ext uri="{FF2B5EF4-FFF2-40B4-BE49-F238E27FC236}">
-                <a16:creationId xmlns:a16="http://schemas.microsoft.com/office/drawing/2014/main" id="{F93A00F9-C278-40B1-9F99-F3225136109C}"/>
+                <a16:creationId xmlns:a16="http://schemas.microsoft.com/office/drawing/2014/main" id="{C5E469CC-F4C2-48DC-9253-AB86B105C269}"/>
               </a:ext>
             </a:extLst>
           </p:cNvPr>
@@ -10888,17 +11084,22 @@
           <a:p>
             <a:r>
               <a:rPr lang="en-US" dirty="0"/>
-              <a:t>Programming in Table Mapping Mode</a:t>
-            </a:r>
+              <a:t>Categorical Mapping Example: </a:t>
+            </a:r>
+            <a:r>
+              <a:rPr lang="en-US" dirty="0" err="1"/>
+              <a:t>Barchart</a:t>
+            </a:r>
+            <a:endParaRPr lang="en-US" dirty="0"/>
           </a:p>
         </p:txBody>
       </p:sp>
       <p:sp>
         <p:nvSpPr>
-          <p:cNvPr id="5" name="Content Placeholder 4">
+          <p:cNvPr id="3" name="Content Placeholder 2">
             <a:extLst>
               <a:ext uri="{FF2B5EF4-FFF2-40B4-BE49-F238E27FC236}">
-                <a16:creationId xmlns:a16="http://schemas.microsoft.com/office/drawing/2014/main" id="{0A20FF18-6B86-45C2-B7AC-9740970507DF}"/>
+                <a16:creationId xmlns:a16="http://schemas.microsoft.com/office/drawing/2014/main" id="{3C2DD87D-ADDD-4305-8116-D389A5143F85}"/>
               </a:ext>
             </a:extLst>
           </p:cNvPr>
@@ -10916,40 +11117,60 @@
           </a:xfrm>
         </p:spPr>
         <p:txBody>
-          <a:bodyPr/>
+          <a:bodyPr>
+            <a:normAutofit fontScale="70000" lnSpcReduction="20000"/>
+          </a:bodyPr>
           <a:lstStyle/>
           <a:p>
             <a:r>
-              <a:rPr lang="en-US" dirty="0"/>
-              <a:t>Table mapping data accessible through visuals API</a:t>
+              <a:rPr lang="en-US" dirty="0" err="1"/>
+              <a:t>dataRole</a:t>
+            </a:r>
+            <a:r>
+              <a:rPr lang="en-US" dirty="0"/>
+              <a:t> can use </a:t>
+            </a:r>
+            <a:r>
+              <a:rPr lang="en-US" dirty="0" err="1"/>
+              <a:t>dataViewMapping</a:t>
+            </a:r>
+            <a:r>
+              <a:rPr lang="en-US" dirty="0"/>
+              <a:t> mode of categorical</a:t>
             </a:r>
           </a:p>
           <a:p>
             <a:pPr lvl="1"/>
             <a:r>
-              <a:rPr lang="en-US" dirty="0" err="1"/>
-              <a:t>DataView</a:t>
-            </a:r>
-            <a:r>
-              <a:rPr lang="en-US" dirty="0"/>
-              <a:t> object provides table property</a:t>
+              <a:rPr lang="en-US" dirty="0"/>
+              <a:t>This is the most common type of data mapping</a:t>
             </a:r>
           </a:p>
           <a:p>
             <a:pPr lvl="1"/>
             <a:r>
               <a:rPr lang="en-US" dirty="0"/>
-              <a:t>table property provides columns property and rows property</a:t>
-            </a:r>
+              <a:t>For visuals which divide data into groups for analysis</a:t>
+            </a:r>
+          </a:p>
+          <a:p>
+            <a:pPr lvl="1"/>
+            <a:r>
+              <a:rPr lang="en-US" dirty="0"/>
+              <a:t>Groups defined as columns and values defined as measures</a:t>
+            </a:r>
+          </a:p>
+          <a:p>
+            <a:endParaRPr lang="en-US" dirty="0"/>
           </a:p>
         </p:txBody>
       </p:sp>
       <p:pic>
         <p:nvPicPr>
-          <p:cNvPr id="3" name="Picture 2">
+          <p:cNvPr id="4" name="Picture 3">
             <a:extLst>
               <a:ext uri="{FF2B5EF4-FFF2-40B4-BE49-F238E27FC236}">
-                <a16:creationId xmlns:a16="http://schemas.microsoft.com/office/drawing/2014/main" id="{DADF1AD4-E090-414F-AAF8-EE87CBF909EB}"/>
+                <a16:creationId xmlns:a16="http://schemas.microsoft.com/office/drawing/2014/main" id="{EA6A1441-260A-4485-9430-635F5039504D}"/>
               </a:ext>
             </a:extLst>
           </p:cNvPr>
@@ -10966,8 +11187,8 @@
         </p:blipFill>
         <p:spPr>
           <a:xfrm>
-            <a:off x="1032439" y="2908700"/>
-            <a:ext cx="3095913" cy="2953244"/>
+            <a:off x="2487824" y="3264112"/>
+            <a:ext cx="5984561" cy="2409225"/>
           </a:xfrm>
           <a:prstGeom prst="rect">
             <a:avLst/>
@@ -10984,10 +11205,10 @@
       </p:pic>
       <p:pic>
         <p:nvPicPr>
-          <p:cNvPr id="4" name="Picture 3">
+          <p:cNvPr id="5" name="Picture 4">
             <a:extLst>
               <a:ext uri="{FF2B5EF4-FFF2-40B4-BE49-F238E27FC236}">
-                <a16:creationId xmlns:a16="http://schemas.microsoft.com/office/drawing/2014/main" id="{F5058CCA-4643-4EFB-B120-9F715ABCBC79}"/>
+                <a16:creationId xmlns:a16="http://schemas.microsoft.com/office/drawing/2014/main" id="{1BD713A4-B017-44F1-80F1-042D2FA20E4C}"/>
               </a:ext>
             </a:extLst>
           </p:cNvPr>
@@ -11004,8 +11225,8 @@
         </p:blipFill>
         <p:spPr>
           <a:xfrm>
-            <a:off x="4283786" y="2908701"/>
-            <a:ext cx="5086143" cy="1170772"/>
+            <a:off x="6995407" y="4818450"/>
+            <a:ext cx="3391285" cy="1245593"/>
           </a:xfrm>
           <a:prstGeom prst="rect">
             <a:avLst/>
@@ -11023,7 +11244,7 @@
     </p:spTree>
     <p:extLst>
       <p:ext uri="{BB962C8B-B14F-4D97-AF65-F5344CB8AC3E}">
-        <p14:creationId xmlns:p14="http://schemas.microsoft.com/office/powerpoint/2010/main" val="844756298"/>
+        <p14:creationId xmlns:p14="http://schemas.microsoft.com/office/powerpoint/2010/main" val="4120527296"/>
       </p:ext>
     </p:extLst>
   </p:cSld>
@@ -11058,7 +11279,7 @@
           <p:cNvPr id="2" name="Title 1">
             <a:extLst>
               <a:ext uri="{FF2B5EF4-FFF2-40B4-BE49-F238E27FC236}">
-                <a16:creationId xmlns:a16="http://schemas.microsoft.com/office/drawing/2014/main" id="{C5E469CC-F4C2-48DC-9253-AB86B105C269}"/>
+                <a16:creationId xmlns:a16="http://schemas.microsoft.com/office/drawing/2014/main" id="{EC9D5E23-ACB3-438E-80EF-91CB0582800C}"/>
               </a:ext>
             </a:extLst>
           </p:cNvPr>
@@ -11081,13 +11302,8 @@
           <a:p>
             <a:r>
               <a:rPr lang="en-US" dirty="0"/>
-              <a:t>Categorical Mapping Example: </a:t>
-            </a:r>
-            <a:r>
-              <a:rPr lang="en-US" dirty="0" err="1"/>
-              <a:t>Barchart</a:t>
-            </a:r>
-            <a:endParaRPr lang="en-US" dirty="0"/>
+              <a:t>Designing with  View Model</a:t>
+            </a:r>
           </a:p>
         </p:txBody>
       </p:sp>
@@ -11096,7 +11312,7 @@
           <p:cNvPr id="3" name="Content Placeholder 2">
             <a:extLst>
               <a:ext uri="{FF2B5EF4-FFF2-40B4-BE49-F238E27FC236}">
-                <a16:creationId xmlns:a16="http://schemas.microsoft.com/office/drawing/2014/main" id="{3C2DD87D-ADDD-4305-8116-D389A5143F85}"/>
+                <a16:creationId xmlns:a16="http://schemas.microsoft.com/office/drawing/2014/main" id="{1DA7BA13-2E2B-44EA-9B88-673454E647B2}"/>
               </a:ext>
             </a:extLst>
           </p:cNvPr>
@@ -11115,50 +11331,66 @@
         </p:spPr>
         <p:txBody>
           <a:bodyPr>
-            <a:normAutofit fontScale="70000" lnSpcReduction="20000"/>
+            <a:normAutofit fontScale="77500" lnSpcReduction="20000"/>
           </a:bodyPr>
           <a:lstStyle/>
           <a:p>
             <a:r>
-              <a:rPr lang="en-US" dirty="0" err="1"/>
-              <a:t>dataRole</a:t>
-            </a:r>
-            <a:r>
-              <a:rPr lang="en-US" dirty="0"/>
-              <a:t> can use </a:t>
-            </a:r>
-            <a:r>
-              <a:rPr lang="en-US" dirty="0" err="1"/>
-              <a:t>dataViewMapping</a:t>
-            </a:r>
-            <a:r>
-              <a:rPr lang="en-US" dirty="0"/>
-              <a:t> mode of categorical</a:t>
+              <a:rPr lang="en-US" dirty="0"/>
+              <a:t>Best practice involves creating view model for each visual</a:t>
             </a:r>
           </a:p>
           <a:p>
             <a:pPr lvl="1"/>
             <a:r>
               <a:rPr lang="en-US" dirty="0"/>
-              <a:t>This is the most common type of data mapping</a:t>
+              <a:t>View model is a collection of data required for rendering visual</a:t>
             </a:r>
           </a:p>
           <a:p>
             <a:pPr lvl="1"/>
             <a:r>
-              <a:rPr lang="en-US" dirty="0"/>
-              <a:t>For visuals which divide data into groups for analysis</a:t>
+              <a:rPr lang="en-US" sz="2300" b="1" dirty="0" err="1">
+                <a:solidFill>
+                  <a:schemeClr val="tx2"/>
+                </a:solidFill>
+                <a:latin typeface="Lucida Console" panose="020B0609040504020204" pitchFamily="49" charset="0"/>
+              </a:rPr>
+              <a:t>createViewModel</a:t>
+            </a:r>
+            <a:r>
+              <a:rPr lang="en-US" dirty="0"/>
+              <a:t> method acquires data and constructs view model</a:t>
             </a:r>
           </a:p>
           <a:p>
             <a:pPr lvl="1"/>
             <a:r>
-              <a:rPr lang="en-US" dirty="0"/>
-              <a:t>Groups defined as columns and values defined as measures</a:t>
-            </a:r>
-          </a:p>
-          <a:p>
-            <a:endParaRPr lang="en-US" dirty="0"/>
+              <a:rPr lang="en-US" sz="2300" b="1" dirty="0">
+                <a:solidFill>
+                  <a:schemeClr val="tx2"/>
+                </a:solidFill>
+                <a:latin typeface="Lucida Console" panose="020B0609040504020204" pitchFamily="49" charset="0"/>
+              </a:rPr>
+              <a:t>update</a:t>
+            </a:r>
+            <a:r>
+              <a:rPr lang="en-US" dirty="0"/>
+              <a:t> method calls </a:t>
+            </a:r>
+            <a:r>
+              <a:rPr lang="en-US" sz="2300" b="1" dirty="0" err="1">
+                <a:solidFill>
+                  <a:schemeClr val="tx2"/>
+                </a:solidFill>
+                <a:latin typeface="Lucida Console" panose="020B0609040504020204" pitchFamily="49" charset="0"/>
+              </a:rPr>
+              <a:t>createViewModel</a:t>
+            </a:r>
+            <a:r>
+              <a:rPr lang="en-US" dirty="0"/>
+              <a:t> to get view model</a:t>
+            </a:r>
           </a:p>
         </p:txBody>
       </p:sp>
@@ -11167,7 +11399,7 @@
           <p:cNvPr id="4" name="Picture 3">
             <a:extLst>
               <a:ext uri="{FF2B5EF4-FFF2-40B4-BE49-F238E27FC236}">
-                <a16:creationId xmlns:a16="http://schemas.microsoft.com/office/drawing/2014/main" id="{EA6A1441-260A-4485-9430-635F5039504D}"/>
+                <a16:creationId xmlns:a16="http://schemas.microsoft.com/office/drawing/2014/main" id="{2D7F9987-FB99-466B-873B-54DEE0121EFB}"/>
               </a:ext>
             </a:extLst>
           </p:cNvPr>
@@ -11184,8 +11416,8 @@
         </p:blipFill>
         <p:spPr>
           <a:xfrm>
-            <a:off x="2487824" y="3264112"/>
-            <a:ext cx="5984561" cy="2409225"/>
+            <a:off x="1069379" y="3309171"/>
+            <a:ext cx="4735522" cy="2953244"/>
           </a:xfrm>
           <a:prstGeom prst="rect">
             <a:avLst/>
@@ -11193,46 +11425,8 @@
           <a:ln>
             <a:solidFill>
               <a:schemeClr val="tx1">
-                <a:lumMod val="95000"/>
-                <a:lumOff val="5000"/>
-              </a:schemeClr>
-            </a:solidFill>
-          </a:ln>
-        </p:spPr>
-      </p:pic>
-      <p:pic>
-        <p:nvPicPr>
-          <p:cNvPr id="5" name="Picture 4">
-            <a:extLst>
-              <a:ext uri="{FF2B5EF4-FFF2-40B4-BE49-F238E27FC236}">
-                <a16:creationId xmlns:a16="http://schemas.microsoft.com/office/drawing/2014/main" id="{1BD713A4-B017-44F1-80F1-042D2FA20E4C}"/>
-              </a:ext>
-            </a:extLst>
-          </p:cNvPr>
-          <p:cNvPicPr>
-            <a:picLocks noChangeAspect="1"/>
-          </p:cNvPicPr>
-          <p:nvPr/>
-        </p:nvPicPr>
-        <p:blipFill>
-          <a:blip r:embed="rId3"/>
-          <a:stretch>
-            <a:fillRect/>
-          </a:stretch>
-        </p:blipFill>
-        <p:spPr>
-          <a:xfrm>
-            <a:off x="6995407" y="4818450"/>
-            <a:ext cx="3391285" cy="1245593"/>
-          </a:xfrm>
-          <a:prstGeom prst="rect">
-            <a:avLst/>
-          </a:prstGeom>
-          <a:ln>
-            <a:solidFill>
-              <a:schemeClr val="tx1">
-                <a:lumMod val="95000"/>
-                <a:lumOff val="5000"/>
+                <a:lumMod val="50000"/>
+                <a:lumOff val="50000"/>
               </a:schemeClr>
             </a:solidFill>
           </a:ln>
@@ -11241,7 +11435,7 @@
     </p:spTree>
     <p:extLst>
       <p:ext uri="{BB962C8B-B14F-4D97-AF65-F5344CB8AC3E}">
-        <p14:creationId xmlns:p14="http://schemas.microsoft.com/office/powerpoint/2010/main" val="4120527296"/>
+        <p14:creationId xmlns:p14="http://schemas.microsoft.com/office/powerpoint/2010/main" val="3811302365"/>
       </p:ext>
     </p:extLst>
   </p:cSld>
@@ -11412,11 +11606,11 @@
   <p:clrMapOvr>
     <a:masterClrMapping/>
   </p:clrMapOvr>
-  <mc:AlternateContent xmlns:mc="http://schemas.openxmlformats.org/markup-compatibility/2006">
-    <mc:Choice xmlns:p14="http://schemas.microsoft.com/office/powerpoint/2010/main" Requires="p14">
+  <mc:AlternateContent xmlns:mc="http://schemas.openxmlformats.org/markup-compatibility/2006" xmlns:p14="http://schemas.microsoft.com/office/powerpoint/2010/main">
+    <mc:Choice Requires="p14">
       <p:transition p14:dur="0"/>
     </mc:Choice>
-    <mc:Fallback>
+    <mc:Fallback xmlns="">
       <p:transition/>
     </mc:Fallback>
   </mc:AlternateContent>
@@ -11542,10 +11736,10 @@
       </p:sp>
       <p:pic>
         <p:nvPicPr>
-          <p:cNvPr id="5" name="Picture 4">
+          <p:cNvPr id="6" name="Picture 5">
             <a:extLst>
               <a:ext uri="{FF2B5EF4-FFF2-40B4-BE49-F238E27FC236}">
-                <a16:creationId xmlns:a16="http://schemas.microsoft.com/office/drawing/2014/main" id="{FCE75CED-62E0-4AF9-B5C9-8EB590164538}"/>
+                <a16:creationId xmlns:a16="http://schemas.microsoft.com/office/drawing/2014/main" id="{495BA8DE-0AF6-4766-A172-C3377E7ACE88}"/>
               </a:ext>
             </a:extLst>
           </p:cNvPr>
@@ -11562,20 +11756,28 @@
         </p:blipFill>
         <p:spPr>
           <a:xfrm>
-            <a:off x="7073123" y="3952985"/>
-            <a:ext cx="2875527" cy="2814898"/>
+            <a:off x="2720975" y="3952985"/>
+            <a:ext cx="4041281" cy="2813098"/>
           </a:xfrm>
           <a:prstGeom prst="rect">
             <a:avLst/>
           </a:prstGeom>
+          <a:ln>
+            <a:solidFill>
+              <a:schemeClr val="tx1">
+                <a:lumMod val="95000"/>
+                <a:lumOff val="5000"/>
+              </a:schemeClr>
+            </a:solidFill>
+          </a:ln>
         </p:spPr>
       </p:pic>
       <p:pic>
         <p:nvPicPr>
-          <p:cNvPr id="6" name="Picture 5">
+          <p:cNvPr id="7" name="Picture 6">
             <a:extLst>
               <a:ext uri="{FF2B5EF4-FFF2-40B4-BE49-F238E27FC236}">
-                <a16:creationId xmlns:a16="http://schemas.microsoft.com/office/drawing/2014/main" id="{495BA8DE-0AF6-4766-A172-C3377E7ACE88}"/>
+                <a16:creationId xmlns:a16="http://schemas.microsoft.com/office/drawing/2014/main" id="{52F89684-2F66-4913-9F9B-C877EB02AD73}"/>
               </a:ext>
             </a:extLst>
           </p:cNvPr>
@@ -11592,8 +11794,8 @@
         </p:blipFill>
         <p:spPr>
           <a:xfrm>
-            <a:off x="2720975" y="3952985"/>
-            <a:ext cx="4041281" cy="2813098"/>
+            <a:off x="9496878" y="1352578"/>
+            <a:ext cx="2107293" cy="5397992"/>
           </a:xfrm>
           <a:prstGeom prst="rect">
             <a:avLst/>
@@ -11601,8 +11803,7 @@
           <a:ln>
             <a:solidFill>
               <a:schemeClr val="tx1">
-                <a:lumMod val="95000"/>
-                <a:lumOff val="5000"/>
+                <a:lumMod val="75000"/>
               </a:schemeClr>
             </a:solidFill>
           </a:ln>
@@ -11722,10 +11923,10 @@
       </p:sp>
       <p:pic>
         <p:nvPicPr>
-          <p:cNvPr id="3" name="Picture 2">
+          <p:cNvPr id="6" name="Picture 5">
             <a:extLst>
               <a:ext uri="{FF2B5EF4-FFF2-40B4-BE49-F238E27FC236}">
-                <a16:creationId xmlns:a16="http://schemas.microsoft.com/office/drawing/2014/main" id="{4E753F00-CA19-4CAE-A8C3-AFC1BD4AE81A}"/>
+                <a16:creationId xmlns:a16="http://schemas.microsoft.com/office/drawing/2014/main" id="{6B179ADA-9E65-48EE-BE6B-2E1E117502DE}"/>
               </a:ext>
             </a:extLst>
           </p:cNvPr>
@@ -11742,12 +11943,19 @@
         </p:blipFill>
         <p:spPr>
           <a:xfrm>
-            <a:off x="2565542" y="2797810"/>
-            <a:ext cx="6916808" cy="3240582"/>
+            <a:off x="999218" y="2447471"/>
+            <a:ext cx="8696325" cy="4276725"/>
           </a:xfrm>
           <a:prstGeom prst="rect">
             <a:avLst/>
           </a:prstGeom>
+          <a:ln>
+            <a:solidFill>
+              <a:schemeClr val="tx1">
+                <a:lumMod val="75000"/>
+              </a:schemeClr>
+            </a:solidFill>
+          </a:ln>
         </p:spPr>
       </p:pic>
     </p:spTree>
@@ -11923,6 +12131,123 @@
       </p:grpSpPr>
       <p:sp>
         <p:nvSpPr>
+          <p:cNvPr id="36" name="Content Placeholder 35">
+            <a:extLst>
+              <a:ext uri="{FF2B5EF4-FFF2-40B4-BE49-F238E27FC236}">
+                <a16:creationId xmlns:a16="http://schemas.microsoft.com/office/drawing/2014/main" id="{13373740-1CE5-49D8-B211-508568B88396}"/>
+              </a:ext>
+            </a:extLst>
+          </p:cNvPr>
+          <p:cNvSpPr>
+            <a:spLocks noGrp="1"/>
+          </p:cNvSpPr>
+          <p:nvPr>
+            <p:ph type="body" sz="quarter" idx="10"/>
+          </p:nvPr>
+        </p:nvSpPr>
+        <p:spPr>
+          <a:xfrm>
+            <a:off x="588263" y="1378083"/>
+            <a:ext cx="11239464" cy="1749197"/>
+          </a:xfrm>
+        </p:spPr>
+        <p:txBody>
+          <a:bodyPr>
+            <a:normAutofit fontScale="77500" lnSpcReduction="20000"/>
+          </a:bodyPr>
+          <a:lstStyle/>
+          <a:p>
+            <a:r>
+              <a:rPr lang="en-US" dirty="0" err="1"/>
+              <a:t>VisualSettings</a:t>
+            </a:r>
+            <a:r>
+              <a:rPr lang="en-US" dirty="0"/>
+              <a:t> class must map to named </a:t>
+            </a:r>
+            <a:r>
+              <a:rPr lang="en-US" dirty="0" err="1"/>
+              <a:t>objectnamed</a:t>
+            </a:r>
+            <a:r>
+              <a:rPr lang="en-US" dirty="0"/>
+              <a:t> </a:t>
+            </a:r>
+          </a:p>
+          <a:p>
+            <a:pPr lvl="1"/>
+            <a:r>
+              <a:rPr lang="en-US" dirty="0" err="1"/>
+              <a:t>VisualSetting</a:t>
+            </a:r>
+            <a:r>
+              <a:rPr lang="en-US" dirty="0"/>
+              <a:t> class contains named field that maps to object name</a:t>
+            </a:r>
+          </a:p>
+          <a:p>
+            <a:pPr lvl="1"/>
+            <a:r>
+              <a:rPr lang="en-US" dirty="0"/>
+              <a:t>Named field based on custom class with mapped properties</a:t>
+            </a:r>
+          </a:p>
+          <a:p>
+            <a:pPr lvl="1"/>
+            <a:r>
+              <a:rPr lang="en-US" dirty="0"/>
+              <a:t>Object &amp; property names must match what's in </a:t>
+            </a:r>
+            <a:r>
+              <a:rPr lang="en-US" dirty="0" err="1"/>
+              <a:t>capabilities.json</a:t>
+            </a:r>
+            <a:r>
+              <a:rPr lang="en-US" dirty="0"/>
+              <a:t> </a:t>
+            </a:r>
+          </a:p>
+        </p:txBody>
+      </p:sp>
+      <p:pic>
+        <p:nvPicPr>
+          <p:cNvPr id="9" name="Picture 8">
+            <a:extLst>
+              <a:ext uri="{FF2B5EF4-FFF2-40B4-BE49-F238E27FC236}">
+                <a16:creationId xmlns:a16="http://schemas.microsoft.com/office/drawing/2014/main" id="{FD66F4F9-8404-4AE8-8B04-214A3A20AEC7}"/>
+              </a:ext>
+            </a:extLst>
+          </p:cNvPr>
+          <p:cNvPicPr>
+            <a:picLocks noChangeAspect="1"/>
+          </p:cNvPicPr>
+          <p:nvPr/>
+        </p:nvPicPr>
+        <p:blipFill>
+          <a:blip r:embed="rId2"/>
+          <a:stretch>
+            <a:fillRect/>
+          </a:stretch>
+        </p:blipFill>
+        <p:spPr>
+          <a:xfrm>
+            <a:off x="6326075" y="3310462"/>
+            <a:ext cx="4679382" cy="2479078"/>
+          </a:xfrm>
+          <a:prstGeom prst="rect">
+            <a:avLst/>
+          </a:prstGeom>
+          <a:ln>
+            <a:solidFill>
+              <a:schemeClr val="tx1">
+                <a:lumMod val="75000"/>
+              </a:schemeClr>
+            </a:solidFill>
+          </a:ln>
+        </p:spPr>
+      </p:pic>
+      <p:sp>
+        <p:nvSpPr>
           <p:cNvPr id="2" name="Title 1">
             <a:extLst>
               <a:ext uri="{FF2B5EF4-FFF2-40B4-BE49-F238E27FC236}">
@@ -11959,86 +12284,6 @@
           </a:p>
         </p:txBody>
       </p:sp>
-      <p:sp>
-        <p:nvSpPr>
-          <p:cNvPr id="36" name="Content Placeholder 35">
-            <a:extLst>
-              <a:ext uri="{FF2B5EF4-FFF2-40B4-BE49-F238E27FC236}">
-                <a16:creationId xmlns:a16="http://schemas.microsoft.com/office/drawing/2014/main" id="{13373740-1CE5-49D8-B211-508568B88396}"/>
-              </a:ext>
-            </a:extLst>
-          </p:cNvPr>
-          <p:cNvSpPr>
-            <a:spLocks noGrp="1"/>
-          </p:cNvSpPr>
-          <p:nvPr>
-            <p:ph type="body" sz="quarter" idx="10"/>
-          </p:nvPr>
-        </p:nvSpPr>
-        <p:spPr>
-          <a:xfrm>
-            <a:off x="588263" y="1378083"/>
-            <a:ext cx="11239464" cy="1749197"/>
-          </a:xfrm>
-        </p:spPr>
-        <p:txBody>
-          <a:bodyPr>
-            <a:normAutofit fontScale="77500" lnSpcReduction="20000"/>
-          </a:bodyPr>
-          <a:lstStyle/>
-          <a:p>
-            <a:r>
-              <a:rPr lang="en-US" dirty="0" err="1"/>
-              <a:t>VisualSettings</a:t>
-            </a:r>
-            <a:r>
-              <a:rPr lang="en-US" dirty="0"/>
-              <a:t> class must map to named </a:t>
-            </a:r>
-            <a:r>
-              <a:rPr lang="en-US" dirty="0" err="1"/>
-              <a:t>objectnamed</a:t>
-            </a:r>
-            <a:r>
-              <a:rPr lang="en-US" dirty="0"/>
-              <a:t> </a:t>
-            </a:r>
-          </a:p>
-          <a:p>
-            <a:pPr lvl="1"/>
-            <a:r>
-              <a:rPr lang="en-US" dirty="0" err="1"/>
-              <a:t>VisualSetting</a:t>
-            </a:r>
-            <a:r>
-              <a:rPr lang="en-US" dirty="0"/>
-              <a:t> class contains named field that maps to object name</a:t>
-            </a:r>
-          </a:p>
-          <a:p>
-            <a:pPr lvl="1"/>
-            <a:r>
-              <a:rPr lang="en-US" dirty="0"/>
-              <a:t>Named field based on custom class with mapped properties</a:t>
-            </a:r>
-          </a:p>
-          <a:p>
-            <a:pPr lvl="1"/>
-            <a:r>
-              <a:rPr lang="en-US" dirty="0"/>
-              <a:t>Object &amp; property names must match what's in </a:t>
-            </a:r>
-            <a:r>
-              <a:rPr lang="en-US" dirty="0" err="1"/>
-              <a:t>capabilities.json</a:t>
-            </a:r>
-            <a:r>
-              <a:rPr lang="en-US" dirty="0"/>
-              <a:t> </a:t>
-            </a:r>
-          </a:p>
-        </p:txBody>
-      </p:sp>
       <p:pic>
         <p:nvPicPr>
           <p:cNvPr id="3" name="Picture 2">
@@ -12054,7 +12299,7 @@
           <p:nvPr/>
         </p:nvPicPr>
         <p:blipFill rotWithShape="1">
-          <a:blip r:embed="rId2"/>
+          <a:blip r:embed="rId3"/>
           <a:srcRect r="25333"/>
           <a:stretch/>
         </p:blipFill>
@@ -12076,41 +12321,12 @@
           </a:ln>
         </p:spPr>
       </p:pic>
-      <p:pic>
-        <p:nvPicPr>
-          <p:cNvPr id="4" name="Picture 3">
-            <a:extLst>
-              <a:ext uri="{FF2B5EF4-FFF2-40B4-BE49-F238E27FC236}">
-                <a16:creationId xmlns:a16="http://schemas.microsoft.com/office/drawing/2014/main" id="{8949C845-0CBF-4B19-BF50-4AFDF69719E3}"/>
-              </a:ext>
-            </a:extLst>
-          </p:cNvPr>
-          <p:cNvPicPr>
-            <a:picLocks noChangeAspect="1"/>
-          </p:cNvPicPr>
-          <p:nvPr/>
-        </p:nvPicPr>
-        <p:blipFill rotWithShape="1">
-          <a:blip r:embed="rId3"/>
-          <a:srcRect t="28770" r="55101"/>
-          <a:stretch/>
-        </p:blipFill>
-        <p:spPr>
-          <a:xfrm>
-            <a:off x="6060040" y="3272586"/>
-            <a:ext cx="4120583" cy="3062726"/>
-          </a:xfrm>
-          <a:prstGeom prst="rect">
-            <a:avLst/>
-          </a:prstGeom>
-        </p:spPr>
-      </p:pic>
       <p:grpSp>
         <p:nvGrpSpPr>
-          <p:cNvPr id="34" name="Group 33">
+          <p:cNvPr id="10" name="Group 9">
             <a:extLst>
               <a:ext uri="{FF2B5EF4-FFF2-40B4-BE49-F238E27FC236}">
-                <a16:creationId xmlns:a16="http://schemas.microsoft.com/office/drawing/2014/main" id="{C89919E8-730E-4DAD-944C-C33246D84509}"/>
+                <a16:creationId xmlns:a16="http://schemas.microsoft.com/office/drawing/2014/main" id="{0B4C4B28-8F9B-4F0E-9009-01D631B79B20}"/>
               </a:ext>
             </a:extLst>
           </p:cNvPr>
@@ -12120,789 +12336,810 @@
         <p:grpSpPr>
           <a:xfrm>
             <a:off x="2458769" y="3625023"/>
-            <a:ext cx="6698371" cy="291958"/>
-            <a:chOff x="374073" y="3200400"/>
-            <a:chExt cx="7241224" cy="315619"/>
+            <a:ext cx="6698371" cy="2309094"/>
+            <a:chOff x="2458769" y="3625023"/>
+            <a:chExt cx="6698371" cy="2309094"/>
           </a:xfrm>
         </p:grpSpPr>
-        <p:sp>
-          <p:nvSpPr>
-            <p:cNvPr id="5" name="Rectangle: Rounded Corners 4">
+        <p:grpSp>
+          <p:nvGrpSpPr>
+            <p:cNvPr id="34" name="Group 33">
               <a:extLst>
                 <a:ext uri="{FF2B5EF4-FFF2-40B4-BE49-F238E27FC236}">
-                  <a16:creationId xmlns:a16="http://schemas.microsoft.com/office/drawing/2014/main" id="{374DC96A-05A6-4163-BBB1-DA18E04B8C27}"/>
+                  <a16:creationId xmlns:a16="http://schemas.microsoft.com/office/drawing/2014/main" id="{C89919E8-730E-4DAD-944C-C33246D84509}"/>
                 </a:ext>
               </a:extLst>
             </p:cNvPr>
-            <p:cNvSpPr/>
+            <p:cNvGrpSpPr/>
             <p:nvPr/>
-          </p:nvSpPr>
-          <p:spPr>
+          </p:nvGrpSpPr>
+          <p:grpSpPr>
             <a:xfrm>
-              <a:off x="374073" y="3200400"/>
-              <a:ext cx="1828800" cy="275637"/>
+              <a:off x="2458769" y="3625023"/>
+              <a:ext cx="6698371" cy="291958"/>
+              <a:chOff x="374073" y="3200400"/>
+              <a:chExt cx="7241224" cy="315619"/>
             </a:xfrm>
-            <a:prstGeom prst="roundRect">
-              <a:avLst/>
-            </a:prstGeom>
-            <a:noFill/>
-            <a:ln w="57150">
-              <a:solidFill>
-                <a:srgbClr val="FF0000"/>
-              </a:solidFill>
-              <a:prstDash val="sysDot"/>
-            </a:ln>
-          </p:spPr>
-          <p:style>
-            <a:lnRef idx="2">
-              <a:schemeClr val="accent1">
-                <a:shade val="50000"/>
-              </a:schemeClr>
-            </a:lnRef>
-            <a:fillRef idx="1">
-              <a:schemeClr val="accent1"/>
-            </a:fillRef>
-            <a:effectRef idx="0">
-              <a:schemeClr val="accent1"/>
-            </a:effectRef>
-            <a:fontRef idx="minor">
-              <a:schemeClr val="lt1"/>
-            </a:fontRef>
-          </p:style>
-          <p:txBody>
-            <a:bodyPr rtlCol="0" anchor="ctr"/>
-            <a:lstStyle/>
-            <a:p>
-              <a:pPr algn="ctr"/>
-              <a:endParaRPr lang="en-US" sz="1836"/>
-            </a:p>
-          </p:txBody>
-        </p:sp>
-        <p:sp>
-          <p:nvSpPr>
-            <p:cNvPr id="6" name="Rectangle: Rounded Corners 5">
+          </p:grpSpPr>
+          <p:sp>
+            <p:nvSpPr>
+              <p:cNvPr id="5" name="Rectangle: Rounded Corners 4">
+                <a:extLst>
+                  <a:ext uri="{FF2B5EF4-FFF2-40B4-BE49-F238E27FC236}">
+                    <a16:creationId xmlns:a16="http://schemas.microsoft.com/office/drawing/2014/main" id="{374DC96A-05A6-4163-BBB1-DA18E04B8C27}"/>
+                  </a:ext>
+                </a:extLst>
+              </p:cNvPr>
+              <p:cNvSpPr/>
+              <p:nvPr/>
+            </p:nvSpPr>
+            <p:spPr>
+              <a:xfrm>
+                <a:off x="374073" y="3200400"/>
+                <a:ext cx="1828800" cy="275637"/>
+              </a:xfrm>
+              <a:prstGeom prst="roundRect">
+                <a:avLst/>
+              </a:prstGeom>
+              <a:noFill/>
+              <a:ln w="19050">
+                <a:solidFill>
+                  <a:srgbClr val="FF0000"/>
+                </a:solidFill>
+                <a:prstDash val="sysDot"/>
+              </a:ln>
+            </p:spPr>
+            <p:style>
+              <a:lnRef idx="2">
+                <a:schemeClr val="accent1">
+                  <a:shade val="50000"/>
+                </a:schemeClr>
+              </a:lnRef>
+              <a:fillRef idx="1">
+                <a:schemeClr val="accent1"/>
+              </a:fillRef>
+              <a:effectRef idx="0">
+                <a:schemeClr val="accent1"/>
+              </a:effectRef>
+              <a:fontRef idx="minor">
+                <a:schemeClr val="lt1"/>
+              </a:fontRef>
+            </p:style>
+            <p:txBody>
+              <a:bodyPr rtlCol="0" anchor="ctr"/>
+              <a:lstStyle/>
+              <a:p>
+                <a:pPr algn="ctr"/>
+                <a:endParaRPr lang="en-US" sz="1836"/>
+              </a:p>
+            </p:txBody>
+          </p:sp>
+          <p:sp>
+            <p:nvSpPr>
+              <p:cNvPr id="6" name="Rectangle: Rounded Corners 5">
+                <a:extLst>
+                  <a:ext uri="{FF2B5EF4-FFF2-40B4-BE49-F238E27FC236}">
+                    <a16:creationId xmlns:a16="http://schemas.microsoft.com/office/drawing/2014/main" id="{00DAC534-D6B9-445E-A74F-ADFEE8EBEDE4}"/>
+                  </a:ext>
+                </a:extLst>
+              </p:cNvPr>
+              <p:cNvSpPr/>
+              <p:nvPr/>
+            </p:nvSpPr>
+            <p:spPr>
+              <a:xfrm>
+                <a:off x="5525911" y="3213571"/>
+                <a:ext cx="2089386" cy="302448"/>
+              </a:xfrm>
+              <a:prstGeom prst="roundRect">
+                <a:avLst/>
+              </a:prstGeom>
+              <a:noFill/>
+              <a:ln w="19050">
+                <a:solidFill>
+                  <a:srgbClr val="FF0000"/>
+                </a:solidFill>
+                <a:prstDash val="sysDash"/>
+              </a:ln>
+            </p:spPr>
+            <p:style>
+              <a:lnRef idx="2">
+                <a:schemeClr val="accent1">
+                  <a:shade val="50000"/>
+                </a:schemeClr>
+              </a:lnRef>
+              <a:fillRef idx="1">
+                <a:schemeClr val="accent1"/>
+              </a:fillRef>
+              <a:effectRef idx="0">
+                <a:schemeClr val="accent1"/>
+              </a:effectRef>
+              <a:fontRef idx="minor">
+                <a:schemeClr val="lt1"/>
+              </a:fontRef>
+            </p:style>
+            <p:txBody>
+              <a:bodyPr rtlCol="0" anchor="ctr"/>
+              <a:lstStyle/>
+              <a:p>
+                <a:pPr algn="ctr"/>
+                <a:endParaRPr lang="en-US" sz="1836"/>
+              </a:p>
+            </p:txBody>
+          </p:sp>
+          <p:cxnSp>
+            <p:nvCxnSpPr>
+              <p:cNvPr id="8" name="Straight Arrow Connector 7">
+                <a:extLst>
+                  <a:ext uri="{FF2B5EF4-FFF2-40B4-BE49-F238E27FC236}">
+                    <a16:creationId xmlns:a16="http://schemas.microsoft.com/office/drawing/2014/main" id="{ACBF1BE9-3F4A-4243-9FCD-04C69002FA6E}"/>
+                  </a:ext>
+                </a:extLst>
+              </p:cNvPr>
+              <p:cNvCxnSpPr>
+                <a:cxnSpLocks/>
+              </p:cNvCxnSpPr>
+              <p:nvPr/>
+            </p:nvCxnSpPr>
+            <p:spPr>
+              <a:xfrm flipV="1">
+                <a:off x="2213956" y="3338218"/>
+                <a:ext cx="3196244" cy="1"/>
+              </a:xfrm>
+              <a:prstGeom prst="straightConnector1">
+                <a:avLst/>
+              </a:prstGeom>
+              <a:ln w="19050">
+                <a:solidFill>
+                  <a:srgbClr val="FF0000"/>
+                </a:solidFill>
+                <a:prstDash val="solid"/>
+                <a:tailEnd type="triangle"/>
+              </a:ln>
+            </p:spPr>
+            <p:style>
+              <a:lnRef idx="1">
+                <a:schemeClr val="accent1"/>
+              </a:lnRef>
+              <a:fillRef idx="0">
+                <a:schemeClr val="accent1"/>
+              </a:fillRef>
+              <a:effectRef idx="0">
+                <a:schemeClr val="accent1"/>
+              </a:effectRef>
+              <a:fontRef idx="minor">
+                <a:schemeClr val="tx1"/>
+              </a:fontRef>
+            </p:style>
+          </p:cxnSp>
+        </p:grpSp>
+        <p:grpSp>
+          <p:nvGrpSpPr>
+            <p:cNvPr id="35" name="Group 34">
               <a:extLst>
                 <a:ext uri="{FF2B5EF4-FFF2-40B4-BE49-F238E27FC236}">
-                  <a16:creationId xmlns:a16="http://schemas.microsoft.com/office/drawing/2014/main" id="{00DAC534-D6B9-445E-A74F-ADFEE8EBEDE4}"/>
+                  <a16:creationId xmlns:a16="http://schemas.microsoft.com/office/drawing/2014/main" id="{0BA485C8-729E-4393-ADD4-769CEDE9F924}"/>
                 </a:ext>
               </a:extLst>
             </p:cNvPr>
-            <p:cNvSpPr/>
+            <p:cNvGrpSpPr/>
             <p:nvPr/>
-          </p:nvSpPr>
-          <p:spPr>
+          </p:nvGrpSpPr>
+          <p:grpSpPr>
             <a:xfrm>
-              <a:off x="5525911" y="3213571"/>
-              <a:ext cx="2089386" cy="302448"/>
+              <a:off x="2726497" y="4068335"/>
+              <a:ext cx="5168965" cy="1865782"/>
+              <a:chOff x="663498" y="3679638"/>
+              <a:chExt cx="5587870" cy="2016989"/>
             </a:xfrm>
-            <a:prstGeom prst="roundRect">
-              <a:avLst/>
-            </a:prstGeom>
-            <a:noFill/>
-            <a:ln w="38100">
-              <a:solidFill>
-                <a:srgbClr val="FF0000"/>
-              </a:solidFill>
-              <a:prstDash val="sysDash"/>
-            </a:ln>
-          </p:spPr>
-          <p:style>
-            <a:lnRef idx="2">
-              <a:schemeClr val="accent1">
-                <a:shade val="50000"/>
-              </a:schemeClr>
-            </a:lnRef>
-            <a:fillRef idx="1">
-              <a:schemeClr val="accent1"/>
-            </a:fillRef>
-            <a:effectRef idx="0">
-              <a:schemeClr val="accent1"/>
-            </a:effectRef>
-            <a:fontRef idx="minor">
-              <a:schemeClr val="lt1"/>
-            </a:fontRef>
-          </p:style>
-          <p:txBody>
-            <a:bodyPr rtlCol="0" anchor="ctr"/>
-            <a:lstStyle/>
-            <a:p>
-              <a:pPr algn="ctr"/>
-              <a:endParaRPr lang="en-US" sz="1836"/>
-            </a:p>
-          </p:txBody>
-        </p:sp>
-        <p:cxnSp>
-          <p:nvCxnSpPr>
-            <p:cNvPr id="8" name="Straight Arrow Connector 7">
-              <a:extLst>
-                <a:ext uri="{FF2B5EF4-FFF2-40B4-BE49-F238E27FC236}">
-                  <a16:creationId xmlns:a16="http://schemas.microsoft.com/office/drawing/2014/main" id="{ACBF1BE9-3F4A-4243-9FCD-04C69002FA6E}"/>
-                </a:ext>
-              </a:extLst>
-            </p:cNvPr>
-            <p:cNvCxnSpPr>
-              <a:cxnSpLocks/>
-            </p:cNvCxnSpPr>
-            <p:nvPr/>
-          </p:nvCxnSpPr>
-          <p:spPr>
-            <a:xfrm flipV="1">
-              <a:off x="2213956" y="3338218"/>
-              <a:ext cx="3196244" cy="1"/>
-            </a:xfrm>
-            <a:prstGeom prst="straightConnector1">
-              <a:avLst/>
-            </a:prstGeom>
-            <a:ln w="76200">
-              <a:solidFill>
-                <a:srgbClr val="FF0000"/>
-              </a:solidFill>
-              <a:prstDash val="solid"/>
-              <a:tailEnd type="triangle"/>
-            </a:ln>
-          </p:spPr>
-          <p:style>
-            <a:lnRef idx="1">
-              <a:schemeClr val="accent1"/>
-            </a:lnRef>
-            <a:fillRef idx="0">
-              <a:schemeClr val="accent1"/>
-            </a:fillRef>
-            <a:effectRef idx="0">
-              <a:schemeClr val="accent1"/>
-            </a:effectRef>
-            <a:fontRef idx="minor">
-              <a:schemeClr val="tx1"/>
-            </a:fontRef>
-          </p:style>
-        </p:cxnSp>
-      </p:grpSp>
-      <p:grpSp>
-        <p:nvGrpSpPr>
-          <p:cNvPr id="35" name="Group 34">
-            <a:extLst>
-              <a:ext uri="{FF2B5EF4-FFF2-40B4-BE49-F238E27FC236}">
-                <a16:creationId xmlns:a16="http://schemas.microsoft.com/office/drawing/2014/main" id="{0BA485C8-729E-4393-ADD4-769CEDE9F924}"/>
-              </a:ext>
-            </a:extLst>
-          </p:cNvPr>
-          <p:cNvGrpSpPr/>
-          <p:nvPr/>
-        </p:nvGrpSpPr>
-        <p:grpSpPr>
-          <a:xfrm>
-            <a:off x="2726497" y="4068335"/>
-            <a:ext cx="5168965" cy="1865782"/>
-            <a:chOff x="663498" y="3679638"/>
-            <a:chExt cx="5587870" cy="2016989"/>
-          </a:xfrm>
-        </p:grpSpPr>
-        <p:sp>
-          <p:nvSpPr>
-            <p:cNvPr id="11" name="Rectangle: Rounded Corners 10">
-              <a:extLst>
-                <a:ext uri="{FF2B5EF4-FFF2-40B4-BE49-F238E27FC236}">
-                  <a16:creationId xmlns:a16="http://schemas.microsoft.com/office/drawing/2014/main" id="{64A341A4-D13B-4424-9EA2-D50C443ECB5F}"/>
-                </a:ext>
-              </a:extLst>
-            </p:cNvPr>
-            <p:cNvSpPr/>
-            <p:nvPr/>
-          </p:nvSpPr>
-          <p:spPr>
-            <a:xfrm>
-              <a:off x="663498" y="3679638"/>
-              <a:ext cx="1148473" cy="219184"/>
-            </a:xfrm>
-            <a:prstGeom prst="roundRect">
-              <a:avLst/>
-            </a:prstGeom>
-            <a:noFill/>
-            <a:ln w="38100">
-              <a:solidFill>
-                <a:srgbClr val="FF0000"/>
-              </a:solidFill>
-              <a:prstDash val="sysDot"/>
-            </a:ln>
-          </p:spPr>
-          <p:style>
-            <a:lnRef idx="2">
-              <a:schemeClr val="accent1">
-                <a:shade val="50000"/>
-              </a:schemeClr>
-            </a:lnRef>
-            <a:fillRef idx="1">
-              <a:schemeClr val="accent1"/>
-            </a:fillRef>
-            <a:effectRef idx="0">
-              <a:schemeClr val="accent1"/>
-            </a:effectRef>
-            <a:fontRef idx="minor">
-              <a:schemeClr val="lt1"/>
-            </a:fontRef>
-          </p:style>
-          <p:txBody>
-            <a:bodyPr rtlCol="0" anchor="ctr"/>
-            <a:lstStyle/>
-            <a:p>
-              <a:pPr algn="ctr"/>
-              <a:endParaRPr lang="en-US" sz="1836"/>
-            </a:p>
-          </p:txBody>
-        </p:sp>
-        <p:sp>
-          <p:nvSpPr>
-            <p:cNvPr id="12" name="Rectangle: Rounded Corners 11">
-              <a:extLst>
-                <a:ext uri="{FF2B5EF4-FFF2-40B4-BE49-F238E27FC236}">
-                  <a16:creationId xmlns:a16="http://schemas.microsoft.com/office/drawing/2014/main" id="{F1F2CF9C-C328-481E-A56E-33F194939AA6}"/>
-                </a:ext>
-              </a:extLst>
-            </p:cNvPr>
-            <p:cNvSpPr/>
-            <p:nvPr/>
-          </p:nvSpPr>
-          <p:spPr>
-            <a:xfrm>
-              <a:off x="4778793" y="4249388"/>
-              <a:ext cx="1158869" cy="218704"/>
-            </a:xfrm>
-            <a:prstGeom prst="roundRect">
-              <a:avLst/>
-            </a:prstGeom>
-            <a:noFill/>
-            <a:ln w="38100">
-              <a:solidFill>
-                <a:srgbClr val="FF0000"/>
-              </a:solidFill>
-              <a:prstDash val="sysDash"/>
-            </a:ln>
-          </p:spPr>
-          <p:style>
-            <a:lnRef idx="2">
-              <a:schemeClr val="accent1">
-                <a:shade val="50000"/>
-              </a:schemeClr>
-            </a:lnRef>
-            <a:fillRef idx="1">
-              <a:schemeClr val="accent1"/>
-            </a:fillRef>
-            <a:effectRef idx="0">
-              <a:schemeClr val="accent1"/>
-            </a:effectRef>
-            <a:fontRef idx="minor">
-              <a:schemeClr val="lt1"/>
-            </a:fontRef>
-          </p:style>
-          <p:txBody>
-            <a:bodyPr rtlCol="0" anchor="ctr"/>
-            <a:lstStyle/>
-            <a:p>
-              <a:pPr algn="ctr"/>
-              <a:endParaRPr lang="en-US" sz="1836" dirty="0"/>
-            </a:p>
-          </p:txBody>
-        </p:sp>
-        <p:cxnSp>
-          <p:nvCxnSpPr>
-            <p:cNvPr id="13" name="Straight Arrow Connector 12">
-              <a:extLst>
-                <a:ext uri="{FF2B5EF4-FFF2-40B4-BE49-F238E27FC236}">
-                  <a16:creationId xmlns:a16="http://schemas.microsoft.com/office/drawing/2014/main" id="{8ACEB6D3-D875-4911-99E0-B2949C4CAFC2}"/>
-                </a:ext>
-              </a:extLst>
-            </p:cNvPr>
-            <p:cNvCxnSpPr>
-              <a:cxnSpLocks/>
-            </p:cNvCxnSpPr>
-            <p:nvPr/>
-          </p:nvCxnSpPr>
-          <p:spPr>
-            <a:xfrm>
-              <a:off x="1828800" y="3810000"/>
-              <a:ext cx="2901387" cy="530506"/>
-            </a:xfrm>
-            <a:prstGeom prst="straightConnector1">
-              <a:avLst/>
-            </a:prstGeom>
-            <a:ln w="38100">
-              <a:solidFill>
-                <a:srgbClr val="FF0000"/>
-              </a:solidFill>
-              <a:prstDash val="solid"/>
-              <a:tailEnd type="triangle"/>
-            </a:ln>
-          </p:spPr>
-          <p:style>
-            <a:lnRef idx="1">
-              <a:schemeClr val="accent1"/>
-            </a:lnRef>
-            <a:fillRef idx="0">
-              <a:schemeClr val="accent1"/>
-            </a:fillRef>
-            <a:effectRef idx="0">
-              <a:schemeClr val="accent1"/>
-            </a:effectRef>
-            <a:fontRef idx="minor">
-              <a:schemeClr val="tx1"/>
-            </a:fontRef>
-          </p:style>
-        </p:cxnSp>
-        <p:sp>
-          <p:nvSpPr>
-            <p:cNvPr id="16" name="Rectangle: Rounded Corners 15">
-              <a:extLst>
-                <a:ext uri="{FF2B5EF4-FFF2-40B4-BE49-F238E27FC236}">
-                  <a16:creationId xmlns:a16="http://schemas.microsoft.com/office/drawing/2014/main" id="{C27AEF44-6892-404E-A113-A915BA992BA1}"/>
-                </a:ext>
-              </a:extLst>
-            </p:cNvPr>
-            <p:cNvSpPr/>
-            <p:nvPr/>
-          </p:nvSpPr>
-          <p:spPr>
-            <a:xfrm>
-              <a:off x="4775824" y="4517572"/>
-              <a:ext cx="1469607" cy="218704"/>
-            </a:xfrm>
-            <a:prstGeom prst="roundRect">
-              <a:avLst/>
-            </a:prstGeom>
-            <a:noFill/>
-            <a:ln w="38100">
-              <a:solidFill>
-                <a:srgbClr val="FF0000"/>
-              </a:solidFill>
-              <a:prstDash val="sysDash"/>
-            </a:ln>
-          </p:spPr>
-          <p:style>
-            <a:lnRef idx="2">
-              <a:schemeClr val="accent1">
-                <a:shade val="50000"/>
-              </a:schemeClr>
-            </a:lnRef>
-            <a:fillRef idx="1">
-              <a:schemeClr val="accent1"/>
-            </a:fillRef>
-            <a:effectRef idx="0">
-              <a:schemeClr val="accent1"/>
-            </a:effectRef>
-            <a:fontRef idx="minor">
-              <a:schemeClr val="lt1"/>
-            </a:fontRef>
-          </p:style>
-          <p:txBody>
-            <a:bodyPr rtlCol="0" anchor="ctr"/>
-            <a:lstStyle/>
-            <a:p>
-              <a:pPr algn="ctr"/>
-              <a:endParaRPr lang="en-US" sz="1836" dirty="0"/>
-            </a:p>
-          </p:txBody>
-        </p:sp>
-        <p:sp>
-          <p:nvSpPr>
-            <p:cNvPr id="18" name="Rectangle: Rounded Corners 17">
-              <a:extLst>
-                <a:ext uri="{FF2B5EF4-FFF2-40B4-BE49-F238E27FC236}">
-                  <a16:creationId xmlns:a16="http://schemas.microsoft.com/office/drawing/2014/main" id="{1491652C-F278-49C7-BC4E-471C1C24321B}"/>
-                </a:ext>
-              </a:extLst>
-            </p:cNvPr>
-            <p:cNvSpPr/>
-            <p:nvPr/>
-          </p:nvSpPr>
-          <p:spPr>
-            <a:xfrm>
-              <a:off x="4781761" y="4784910"/>
-              <a:ext cx="1469607" cy="218704"/>
-            </a:xfrm>
-            <a:prstGeom prst="roundRect">
-              <a:avLst/>
-            </a:prstGeom>
-            <a:noFill/>
-            <a:ln w="38100">
-              <a:solidFill>
-                <a:srgbClr val="FF0000"/>
-              </a:solidFill>
-              <a:prstDash val="sysDash"/>
-            </a:ln>
-          </p:spPr>
-          <p:style>
-            <a:lnRef idx="2">
-              <a:schemeClr val="accent1">
-                <a:shade val="50000"/>
-              </a:schemeClr>
-            </a:lnRef>
-            <a:fillRef idx="1">
-              <a:schemeClr val="accent1"/>
-            </a:fillRef>
-            <a:effectRef idx="0">
-              <a:schemeClr val="accent1"/>
-            </a:effectRef>
-            <a:fontRef idx="minor">
-              <a:schemeClr val="lt1"/>
-            </a:fontRef>
-          </p:style>
-          <p:txBody>
-            <a:bodyPr rtlCol="0" anchor="ctr"/>
-            <a:lstStyle/>
-            <a:p>
-              <a:pPr algn="ctr"/>
-              <a:endParaRPr lang="en-US" sz="1836" dirty="0"/>
-            </a:p>
-          </p:txBody>
-        </p:sp>
-        <p:sp>
-          <p:nvSpPr>
-            <p:cNvPr id="19" name="Rectangle: Rounded Corners 18">
-              <a:extLst>
-                <a:ext uri="{FF2B5EF4-FFF2-40B4-BE49-F238E27FC236}">
-                  <a16:creationId xmlns:a16="http://schemas.microsoft.com/office/drawing/2014/main" id="{16CEB814-9D4B-464E-B0AA-A6ED30FFE3C0}"/>
-                </a:ext>
-              </a:extLst>
-            </p:cNvPr>
-            <p:cNvSpPr/>
-            <p:nvPr/>
-          </p:nvSpPr>
-          <p:spPr>
-            <a:xfrm>
-              <a:off x="4776813" y="5035281"/>
-              <a:ext cx="947093" cy="218704"/>
-            </a:xfrm>
-            <a:prstGeom prst="roundRect">
-              <a:avLst/>
-            </a:prstGeom>
-            <a:noFill/>
-            <a:ln w="38100">
-              <a:solidFill>
-                <a:srgbClr val="FF0000"/>
-              </a:solidFill>
-              <a:prstDash val="sysDash"/>
-            </a:ln>
-          </p:spPr>
-          <p:style>
-            <a:lnRef idx="2">
-              <a:schemeClr val="accent1">
-                <a:shade val="50000"/>
-              </a:schemeClr>
-            </a:lnRef>
-            <a:fillRef idx="1">
-              <a:schemeClr val="accent1"/>
-            </a:fillRef>
-            <a:effectRef idx="0">
-              <a:schemeClr val="accent1"/>
-            </a:effectRef>
-            <a:fontRef idx="minor">
-              <a:schemeClr val="lt1"/>
-            </a:fontRef>
-          </p:style>
-          <p:txBody>
-            <a:bodyPr rtlCol="0" anchor="ctr"/>
-            <a:lstStyle/>
-            <a:p>
-              <a:pPr algn="ctr"/>
-              <a:endParaRPr lang="en-US" sz="1836" dirty="0"/>
-            </a:p>
-          </p:txBody>
-        </p:sp>
-        <p:sp>
-          <p:nvSpPr>
-            <p:cNvPr id="20" name="Rectangle: Rounded Corners 19">
-              <a:extLst>
-                <a:ext uri="{FF2B5EF4-FFF2-40B4-BE49-F238E27FC236}">
-                  <a16:creationId xmlns:a16="http://schemas.microsoft.com/office/drawing/2014/main" id="{0220C521-CD03-4F01-84AB-CEFCE1B7E32B}"/>
-                </a:ext>
-              </a:extLst>
-            </p:cNvPr>
-            <p:cNvSpPr/>
-            <p:nvPr/>
-          </p:nvSpPr>
-          <p:spPr>
-            <a:xfrm>
-              <a:off x="698340" y="4286491"/>
-              <a:ext cx="1311798" cy="208344"/>
-            </a:xfrm>
-            <a:prstGeom prst="roundRect">
-              <a:avLst/>
-            </a:prstGeom>
-            <a:noFill/>
-            <a:ln w="38100">
-              <a:solidFill>
-                <a:srgbClr val="FF0000"/>
-              </a:solidFill>
-              <a:prstDash val="sysDot"/>
-            </a:ln>
-          </p:spPr>
-          <p:style>
-            <a:lnRef idx="2">
-              <a:schemeClr val="accent1">
-                <a:shade val="50000"/>
-              </a:schemeClr>
-            </a:lnRef>
-            <a:fillRef idx="1">
-              <a:schemeClr val="accent1"/>
-            </a:fillRef>
-            <a:effectRef idx="0">
-              <a:schemeClr val="accent1"/>
-            </a:effectRef>
-            <a:fontRef idx="minor">
-              <a:schemeClr val="lt1"/>
-            </a:fontRef>
-          </p:style>
-          <p:txBody>
-            <a:bodyPr rtlCol="0" anchor="ctr"/>
-            <a:lstStyle/>
-            <a:p>
-              <a:pPr algn="ctr"/>
-              <a:endParaRPr lang="en-US" sz="1836"/>
-            </a:p>
-          </p:txBody>
-        </p:sp>
-        <p:sp>
-          <p:nvSpPr>
-            <p:cNvPr id="21" name="Rectangle: Rounded Corners 20">
-              <a:extLst>
-                <a:ext uri="{FF2B5EF4-FFF2-40B4-BE49-F238E27FC236}">
-                  <a16:creationId xmlns:a16="http://schemas.microsoft.com/office/drawing/2014/main" id="{ED576F35-CF22-4A3B-A7D6-2A44034EE66C}"/>
-                </a:ext>
-              </a:extLst>
-            </p:cNvPr>
-            <p:cNvSpPr/>
-            <p:nvPr/>
-          </p:nvSpPr>
-          <p:spPr>
-            <a:xfrm>
-              <a:off x="702197" y="4893088"/>
-              <a:ext cx="1331089" cy="219184"/>
-            </a:xfrm>
-            <a:prstGeom prst="roundRect">
-              <a:avLst/>
-            </a:prstGeom>
-            <a:noFill/>
-            <a:ln w="38100">
-              <a:solidFill>
-                <a:srgbClr val="FF0000"/>
-              </a:solidFill>
-              <a:prstDash val="sysDot"/>
-            </a:ln>
-          </p:spPr>
-          <p:style>
-            <a:lnRef idx="2">
-              <a:schemeClr val="accent1">
-                <a:shade val="50000"/>
-              </a:schemeClr>
-            </a:lnRef>
-            <a:fillRef idx="1">
-              <a:schemeClr val="accent1"/>
-            </a:fillRef>
-            <a:effectRef idx="0">
-              <a:schemeClr val="accent1"/>
-            </a:effectRef>
-            <a:fontRef idx="minor">
-              <a:schemeClr val="lt1"/>
-            </a:fontRef>
-          </p:style>
-          <p:txBody>
-            <a:bodyPr rtlCol="0" anchor="ctr"/>
-            <a:lstStyle/>
-            <a:p>
-              <a:pPr algn="ctr"/>
-              <a:endParaRPr lang="en-US" sz="1836"/>
-            </a:p>
-          </p:txBody>
-        </p:sp>
-        <p:sp>
-          <p:nvSpPr>
-            <p:cNvPr id="22" name="Rectangle: Rounded Corners 21">
-              <a:extLst>
-                <a:ext uri="{FF2B5EF4-FFF2-40B4-BE49-F238E27FC236}">
-                  <a16:creationId xmlns:a16="http://schemas.microsoft.com/office/drawing/2014/main" id="{AD7AF715-003C-4BC4-9D1C-330632CB6A7C}"/>
-                </a:ext>
-              </a:extLst>
-            </p:cNvPr>
-            <p:cNvSpPr/>
-            <p:nvPr/>
-          </p:nvSpPr>
-          <p:spPr>
-            <a:xfrm>
-              <a:off x="689210" y="5477443"/>
-              <a:ext cx="942820" cy="219184"/>
-            </a:xfrm>
-            <a:prstGeom prst="roundRect">
-              <a:avLst/>
-            </a:prstGeom>
-            <a:noFill/>
-            <a:ln w="38100">
-              <a:solidFill>
-                <a:srgbClr val="FF0000"/>
-              </a:solidFill>
-              <a:prstDash val="sysDot"/>
-            </a:ln>
-          </p:spPr>
-          <p:style>
-            <a:lnRef idx="2">
-              <a:schemeClr val="accent1">
-                <a:shade val="50000"/>
-              </a:schemeClr>
-            </a:lnRef>
-            <a:fillRef idx="1">
-              <a:schemeClr val="accent1"/>
-            </a:fillRef>
-            <a:effectRef idx="0">
-              <a:schemeClr val="accent1"/>
-            </a:effectRef>
-            <a:fontRef idx="minor">
-              <a:schemeClr val="lt1"/>
-            </a:fontRef>
-          </p:style>
-          <p:txBody>
-            <a:bodyPr rtlCol="0" anchor="ctr"/>
-            <a:lstStyle/>
-            <a:p>
-              <a:pPr algn="ctr"/>
-              <a:endParaRPr lang="en-US" sz="1836"/>
-            </a:p>
-          </p:txBody>
-        </p:sp>
-        <p:cxnSp>
-          <p:nvCxnSpPr>
-            <p:cNvPr id="25" name="Straight Arrow Connector 24">
-              <a:extLst>
-                <a:ext uri="{FF2B5EF4-FFF2-40B4-BE49-F238E27FC236}">
-                  <a16:creationId xmlns:a16="http://schemas.microsoft.com/office/drawing/2014/main" id="{FE5F5EC5-84D4-4009-B98F-02FFBC9B2869}"/>
-                </a:ext>
-              </a:extLst>
-            </p:cNvPr>
-            <p:cNvCxnSpPr>
-              <a:cxnSpLocks/>
-              <a:stCxn id="20" idx="3"/>
-            </p:cNvCxnSpPr>
-            <p:nvPr/>
-          </p:nvCxnSpPr>
-          <p:spPr>
-            <a:xfrm>
-              <a:off x="2010138" y="4390663"/>
-              <a:ext cx="2720049" cy="219919"/>
-            </a:xfrm>
-            <a:prstGeom prst="straightConnector1">
-              <a:avLst/>
-            </a:prstGeom>
-            <a:ln w="38100">
-              <a:solidFill>
-                <a:srgbClr val="FF0000"/>
-              </a:solidFill>
-              <a:prstDash val="solid"/>
-              <a:tailEnd type="triangle"/>
-            </a:ln>
-          </p:spPr>
-          <p:style>
-            <a:lnRef idx="1">
-              <a:schemeClr val="accent1"/>
-            </a:lnRef>
-            <a:fillRef idx="0">
-              <a:schemeClr val="accent1"/>
-            </a:fillRef>
-            <a:effectRef idx="0">
-              <a:schemeClr val="accent1"/>
-            </a:effectRef>
-            <a:fontRef idx="minor">
-              <a:schemeClr val="tx1"/>
-            </a:fontRef>
-          </p:style>
-        </p:cxnSp>
-        <p:cxnSp>
-          <p:nvCxnSpPr>
-            <p:cNvPr id="28" name="Straight Arrow Connector 27">
-              <a:extLst>
-                <a:ext uri="{FF2B5EF4-FFF2-40B4-BE49-F238E27FC236}">
-                  <a16:creationId xmlns:a16="http://schemas.microsoft.com/office/drawing/2014/main" id="{A985BADA-E9D1-49F6-BC91-5F305587D0C0}"/>
-                </a:ext>
-              </a:extLst>
-            </p:cNvPr>
-            <p:cNvCxnSpPr>
-              <a:cxnSpLocks/>
-              <a:stCxn id="21" idx="3"/>
-            </p:cNvCxnSpPr>
-            <p:nvPr/>
-          </p:nvCxnSpPr>
-          <p:spPr>
-            <a:xfrm flipV="1">
-              <a:off x="2033286" y="4893088"/>
-              <a:ext cx="2696901" cy="109592"/>
-            </a:xfrm>
-            <a:prstGeom prst="straightConnector1">
-              <a:avLst/>
-            </a:prstGeom>
-            <a:ln w="38100">
-              <a:solidFill>
-                <a:srgbClr val="FF0000"/>
-              </a:solidFill>
-              <a:prstDash val="solid"/>
-              <a:tailEnd type="triangle"/>
-            </a:ln>
-          </p:spPr>
-          <p:style>
-            <a:lnRef idx="1">
-              <a:schemeClr val="accent1"/>
-            </a:lnRef>
-            <a:fillRef idx="0">
-              <a:schemeClr val="accent1"/>
-            </a:fillRef>
-            <a:effectRef idx="0">
-              <a:schemeClr val="accent1"/>
-            </a:effectRef>
-            <a:fontRef idx="minor">
-              <a:schemeClr val="tx1"/>
-            </a:fontRef>
-          </p:style>
-        </p:cxnSp>
-        <p:cxnSp>
-          <p:nvCxnSpPr>
-            <p:cNvPr id="31" name="Straight Arrow Connector 30">
-              <a:extLst>
-                <a:ext uri="{FF2B5EF4-FFF2-40B4-BE49-F238E27FC236}">
-                  <a16:creationId xmlns:a16="http://schemas.microsoft.com/office/drawing/2014/main" id="{CD306099-2FE6-4936-80E9-01E007B8FDE3}"/>
-                </a:ext>
-              </a:extLst>
-            </p:cNvPr>
-            <p:cNvCxnSpPr>
-              <a:cxnSpLocks/>
-            </p:cNvCxnSpPr>
-            <p:nvPr/>
-          </p:nvCxnSpPr>
-          <p:spPr>
-            <a:xfrm flipV="1">
-              <a:off x="1632030" y="5181600"/>
-              <a:ext cx="3098157" cy="381000"/>
-            </a:xfrm>
-            <a:prstGeom prst="straightConnector1">
-              <a:avLst/>
-            </a:prstGeom>
-            <a:ln w="38100">
-              <a:solidFill>
-                <a:srgbClr val="FF0000"/>
-              </a:solidFill>
-              <a:prstDash val="solid"/>
-              <a:tailEnd type="triangle"/>
-            </a:ln>
-          </p:spPr>
-          <p:style>
-            <a:lnRef idx="1">
-              <a:schemeClr val="accent1"/>
-            </a:lnRef>
-            <a:fillRef idx="0">
-              <a:schemeClr val="accent1"/>
-            </a:fillRef>
-            <a:effectRef idx="0">
-              <a:schemeClr val="accent1"/>
-            </a:effectRef>
-            <a:fontRef idx="minor">
-              <a:schemeClr val="tx1"/>
-            </a:fontRef>
-          </p:style>
-        </p:cxnSp>
+          </p:grpSpPr>
+          <p:sp>
+            <p:nvSpPr>
+              <p:cNvPr id="11" name="Rectangle: Rounded Corners 10">
+                <a:extLst>
+                  <a:ext uri="{FF2B5EF4-FFF2-40B4-BE49-F238E27FC236}">
+                    <a16:creationId xmlns:a16="http://schemas.microsoft.com/office/drawing/2014/main" id="{64A341A4-D13B-4424-9EA2-D50C443ECB5F}"/>
+                  </a:ext>
+                </a:extLst>
+              </p:cNvPr>
+              <p:cNvSpPr/>
+              <p:nvPr/>
+            </p:nvSpPr>
+            <p:spPr>
+              <a:xfrm>
+                <a:off x="663498" y="3679638"/>
+                <a:ext cx="1148473" cy="219184"/>
+              </a:xfrm>
+              <a:prstGeom prst="roundRect">
+                <a:avLst/>
+              </a:prstGeom>
+              <a:noFill/>
+              <a:ln w="19050">
+                <a:solidFill>
+                  <a:srgbClr val="FF0000"/>
+                </a:solidFill>
+                <a:prstDash val="sysDot"/>
+              </a:ln>
+            </p:spPr>
+            <p:style>
+              <a:lnRef idx="2">
+                <a:schemeClr val="accent1">
+                  <a:shade val="50000"/>
+                </a:schemeClr>
+              </a:lnRef>
+              <a:fillRef idx="1">
+                <a:schemeClr val="accent1"/>
+              </a:fillRef>
+              <a:effectRef idx="0">
+                <a:schemeClr val="accent1"/>
+              </a:effectRef>
+              <a:fontRef idx="minor">
+                <a:schemeClr val="lt1"/>
+              </a:fontRef>
+            </p:style>
+            <p:txBody>
+              <a:bodyPr rtlCol="0" anchor="ctr"/>
+              <a:lstStyle/>
+              <a:p>
+                <a:pPr algn="ctr"/>
+                <a:endParaRPr lang="en-US" sz="1836"/>
+              </a:p>
+            </p:txBody>
+          </p:sp>
+          <p:sp>
+            <p:nvSpPr>
+              <p:cNvPr id="12" name="Rectangle: Rounded Corners 11">
+                <a:extLst>
+                  <a:ext uri="{FF2B5EF4-FFF2-40B4-BE49-F238E27FC236}">
+                    <a16:creationId xmlns:a16="http://schemas.microsoft.com/office/drawing/2014/main" id="{F1F2CF9C-C328-481E-A56E-33F194939AA6}"/>
+                  </a:ext>
+                </a:extLst>
+              </p:cNvPr>
+              <p:cNvSpPr/>
+              <p:nvPr/>
+            </p:nvSpPr>
+            <p:spPr>
+              <a:xfrm>
+                <a:off x="4778793" y="4249388"/>
+                <a:ext cx="1158869" cy="218704"/>
+              </a:xfrm>
+              <a:prstGeom prst="roundRect">
+                <a:avLst/>
+              </a:prstGeom>
+              <a:noFill/>
+              <a:ln w="19050">
+                <a:solidFill>
+                  <a:srgbClr val="FF0000"/>
+                </a:solidFill>
+                <a:prstDash val="sysDash"/>
+              </a:ln>
+            </p:spPr>
+            <p:style>
+              <a:lnRef idx="2">
+                <a:schemeClr val="accent1">
+                  <a:shade val="50000"/>
+                </a:schemeClr>
+              </a:lnRef>
+              <a:fillRef idx="1">
+                <a:schemeClr val="accent1"/>
+              </a:fillRef>
+              <a:effectRef idx="0">
+                <a:schemeClr val="accent1"/>
+              </a:effectRef>
+              <a:fontRef idx="minor">
+                <a:schemeClr val="lt1"/>
+              </a:fontRef>
+            </p:style>
+            <p:txBody>
+              <a:bodyPr rtlCol="0" anchor="ctr"/>
+              <a:lstStyle/>
+              <a:p>
+                <a:pPr algn="ctr"/>
+                <a:endParaRPr lang="en-US" sz="1836" dirty="0"/>
+              </a:p>
+            </p:txBody>
+          </p:sp>
+          <p:cxnSp>
+            <p:nvCxnSpPr>
+              <p:cNvPr id="13" name="Straight Arrow Connector 12">
+                <a:extLst>
+                  <a:ext uri="{FF2B5EF4-FFF2-40B4-BE49-F238E27FC236}">
+                    <a16:creationId xmlns:a16="http://schemas.microsoft.com/office/drawing/2014/main" id="{8ACEB6D3-D875-4911-99E0-B2949C4CAFC2}"/>
+                  </a:ext>
+                </a:extLst>
+              </p:cNvPr>
+              <p:cNvCxnSpPr>
+                <a:cxnSpLocks/>
+              </p:cNvCxnSpPr>
+              <p:nvPr/>
+            </p:nvCxnSpPr>
+            <p:spPr>
+              <a:xfrm>
+                <a:off x="1828800" y="3810000"/>
+                <a:ext cx="2901387" cy="530506"/>
+              </a:xfrm>
+              <a:prstGeom prst="straightConnector1">
+                <a:avLst/>
+              </a:prstGeom>
+              <a:ln w="19050">
+                <a:solidFill>
+                  <a:srgbClr val="FF0000"/>
+                </a:solidFill>
+                <a:prstDash val="solid"/>
+                <a:tailEnd type="triangle"/>
+              </a:ln>
+            </p:spPr>
+            <p:style>
+              <a:lnRef idx="1">
+                <a:schemeClr val="accent1"/>
+              </a:lnRef>
+              <a:fillRef idx="0">
+                <a:schemeClr val="accent1"/>
+              </a:fillRef>
+              <a:effectRef idx="0">
+                <a:schemeClr val="accent1"/>
+              </a:effectRef>
+              <a:fontRef idx="minor">
+                <a:schemeClr val="tx1"/>
+              </a:fontRef>
+            </p:style>
+          </p:cxnSp>
+          <p:sp>
+            <p:nvSpPr>
+              <p:cNvPr id="16" name="Rectangle: Rounded Corners 15">
+                <a:extLst>
+                  <a:ext uri="{FF2B5EF4-FFF2-40B4-BE49-F238E27FC236}">
+                    <a16:creationId xmlns:a16="http://schemas.microsoft.com/office/drawing/2014/main" id="{C27AEF44-6892-404E-A113-A915BA992BA1}"/>
+                  </a:ext>
+                </a:extLst>
+              </p:cNvPr>
+              <p:cNvSpPr/>
+              <p:nvPr/>
+            </p:nvSpPr>
+            <p:spPr>
+              <a:xfrm>
+                <a:off x="4775824" y="4517572"/>
+                <a:ext cx="1469607" cy="218704"/>
+              </a:xfrm>
+              <a:prstGeom prst="roundRect">
+                <a:avLst/>
+              </a:prstGeom>
+              <a:noFill/>
+              <a:ln w="19050">
+                <a:solidFill>
+                  <a:srgbClr val="FF0000"/>
+                </a:solidFill>
+                <a:prstDash val="sysDash"/>
+              </a:ln>
+            </p:spPr>
+            <p:style>
+              <a:lnRef idx="2">
+                <a:schemeClr val="accent1">
+                  <a:shade val="50000"/>
+                </a:schemeClr>
+              </a:lnRef>
+              <a:fillRef idx="1">
+                <a:schemeClr val="accent1"/>
+              </a:fillRef>
+              <a:effectRef idx="0">
+                <a:schemeClr val="accent1"/>
+              </a:effectRef>
+              <a:fontRef idx="minor">
+                <a:schemeClr val="lt1"/>
+              </a:fontRef>
+            </p:style>
+            <p:txBody>
+              <a:bodyPr rtlCol="0" anchor="ctr"/>
+              <a:lstStyle/>
+              <a:p>
+                <a:pPr algn="ctr"/>
+                <a:endParaRPr lang="en-US" sz="1836" dirty="0"/>
+              </a:p>
+            </p:txBody>
+          </p:sp>
+          <p:sp>
+            <p:nvSpPr>
+              <p:cNvPr id="18" name="Rectangle: Rounded Corners 17">
+                <a:extLst>
+                  <a:ext uri="{FF2B5EF4-FFF2-40B4-BE49-F238E27FC236}">
+                    <a16:creationId xmlns:a16="http://schemas.microsoft.com/office/drawing/2014/main" id="{1491652C-F278-49C7-BC4E-471C1C24321B}"/>
+                  </a:ext>
+                </a:extLst>
+              </p:cNvPr>
+              <p:cNvSpPr/>
+              <p:nvPr/>
+            </p:nvSpPr>
+            <p:spPr>
+              <a:xfrm>
+                <a:off x="4781761" y="4784910"/>
+                <a:ext cx="1469607" cy="218704"/>
+              </a:xfrm>
+              <a:prstGeom prst="roundRect">
+                <a:avLst/>
+              </a:prstGeom>
+              <a:noFill/>
+              <a:ln w="19050">
+                <a:solidFill>
+                  <a:srgbClr val="FF0000"/>
+                </a:solidFill>
+                <a:prstDash val="sysDash"/>
+              </a:ln>
+            </p:spPr>
+            <p:style>
+              <a:lnRef idx="2">
+                <a:schemeClr val="accent1">
+                  <a:shade val="50000"/>
+                </a:schemeClr>
+              </a:lnRef>
+              <a:fillRef idx="1">
+                <a:schemeClr val="accent1"/>
+              </a:fillRef>
+              <a:effectRef idx="0">
+                <a:schemeClr val="accent1"/>
+              </a:effectRef>
+              <a:fontRef idx="minor">
+                <a:schemeClr val="lt1"/>
+              </a:fontRef>
+            </p:style>
+            <p:txBody>
+              <a:bodyPr rtlCol="0" anchor="ctr"/>
+              <a:lstStyle/>
+              <a:p>
+                <a:pPr algn="ctr"/>
+                <a:endParaRPr lang="en-US" sz="1836" dirty="0"/>
+              </a:p>
+            </p:txBody>
+          </p:sp>
+          <p:sp>
+            <p:nvSpPr>
+              <p:cNvPr id="19" name="Rectangle: Rounded Corners 18">
+                <a:extLst>
+                  <a:ext uri="{FF2B5EF4-FFF2-40B4-BE49-F238E27FC236}">
+                    <a16:creationId xmlns:a16="http://schemas.microsoft.com/office/drawing/2014/main" id="{16CEB814-9D4B-464E-B0AA-A6ED30FFE3C0}"/>
+                  </a:ext>
+                </a:extLst>
+              </p:cNvPr>
+              <p:cNvSpPr/>
+              <p:nvPr/>
+            </p:nvSpPr>
+            <p:spPr>
+              <a:xfrm>
+                <a:off x="4776813" y="5035281"/>
+                <a:ext cx="947093" cy="218704"/>
+              </a:xfrm>
+              <a:prstGeom prst="roundRect">
+                <a:avLst/>
+              </a:prstGeom>
+              <a:noFill/>
+              <a:ln w="19050">
+                <a:solidFill>
+                  <a:srgbClr val="FF0000"/>
+                </a:solidFill>
+                <a:prstDash val="sysDash"/>
+              </a:ln>
+            </p:spPr>
+            <p:style>
+              <a:lnRef idx="2">
+                <a:schemeClr val="accent1">
+                  <a:shade val="50000"/>
+                </a:schemeClr>
+              </a:lnRef>
+              <a:fillRef idx="1">
+                <a:schemeClr val="accent1"/>
+              </a:fillRef>
+              <a:effectRef idx="0">
+                <a:schemeClr val="accent1"/>
+              </a:effectRef>
+              <a:fontRef idx="minor">
+                <a:schemeClr val="lt1"/>
+              </a:fontRef>
+            </p:style>
+            <p:txBody>
+              <a:bodyPr rtlCol="0" anchor="ctr"/>
+              <a:lstStyle/>
+              <a:p>
+                <a:pPr algn="ctr"/>
+                <a:endParaRPr lang="en-US" sz="1836" dirty="0"/>
+              </a:p>
+            </p:txBody>
+          </p:sp>
+          <p:sp>
+            <p:nvSpPr>
+              <p:cNvPr id="20" name="Rectangle: Rounded Corners 19">
+                <a:extLst>
+                  <a:ext uri="{FF2B5EF4-FFF2-40B4-BE49-F238E27FC236}">
+                    <a16:creationId xmlns:a16="http://schemas.microsoft.com/office/drawing/2014/main" id="{0220C521-CD03-4F01-84AB-CEFCE1B7E32B}"/>
+                  </a:ext>
+                </a:extLst>
+              </p:cNvPr>
+              <p:cNvSpPr/>
+              <p:nvPr/>
+            </p:nvSpPr>
+            <p:spPr>
+              <a:xfrm>
+                <a:off x="698340" y="4286491"/>
+                <a:ext cx="1311798" cy="208344"/>
+              </a:xfrm>
+              <a:prstGeom prst="roundRect">
+                <a:avLst/>
+              </a:prstGeom>
+              <a:noFill/>
+              <a:ln w="19050">
+                <a:solidFill>
+                  <a:srgbClr val="FF0000"/>
+                </a:solidFill>
+                <a:prstDash val="sysDot"/>
+              </a:ln>
+            </p:spPr>
+            <p:style>
+              <a:lnRef idx="2">
+                <a:schemeClr val="accent1">
+                  <a:shade val="50000"/>
+                </a:schemeClr>
+              </a:lnRef>
+              <a:fillRef idx="1">
+                <a:schemeClr val="accent1"/>
+              </a:fillRef>
+              <a:effectRef idx="0">
+                <a:schemeClr val="accent1"/>
+              </a:effectRef>
+              <a:fontRef idx="minor">
+                <a:schemeClr val="lt1"/>
+              </a:fontRef>
+            </p:style>
+            <p:txBody>
+              <a:bodyPr rtlCol="0" anchor="ctr"/>
+              <a:lstStyle/>
+              <a:p>
+                <a:pPr algn="ctr"/>
+                <a:endParaRPr lang="en-US" sz="1836"/>
+              </a:p>
+            </p:txBody>
+          </p:sp>
+          <p:sp>
+            <p:nvSpPr>
+              <p:cNvPr id="21" name="Rectangle: Rounded Corners 20">
+                <a:extLst>
+                  <a:ext uri="{FF2B5EF4-FFF2-40B4-BE49-F238E27FC236}">
+                    <a16:creationId xmlns:a16="http://schemas.microsoft.com/office/drawing/2014/main" id="{ED576F35-CF22-4A3B-A7D6-2A44034EE66C}"/>
+                  </a:ext>
+                </a:extLst>
+              </p:cNvPr>
+              <p:cNvSpPr/>
+              <p:nvPr/>
+            </p:nvSpPr>
+            <p:spPr>
+              <a:xfrm>
+                <a:off x="702197" y="4893088"/>
+                <a:ext cx="1331089" cy="219184"/>
+              </a:xfrm>
+              <a:prstGeom prst="roundRect">
+                <a:avLst/>
+              </a:prstGeom>
+              <a:noFill/>
+              <a:ln w="19050">
+                <a:solidFill>
+                  <a:srgbClr val="FF0000"/>
+                </a:solidFill>
+                <a:prstDash val="sysDot"/>
+              </a:ln>
+            </p:spPr>
+            <p:style>
+              <a:lnRef idx="2">
+                <a:schemeClr val="accent1">
+                  <a:shade val="50000"/>
+                </a:schemeClr>
+              </a:lnRef>
+              <a:fillRef idx="1">
+                <a:schemeClr val="accent1"/>
+              </a:fillRef>
+              <a:effectRef idx="0">
+                <a:schemeClr val="accent1"/>
+              </a:effectRef>
+              <a:fontRef idx="minor">
+                <a:schemeClr val="lt1"/>
+              </a:fontRef>
+            </p:style>
+            <p:txBody>
+              <a:bodyPr rtlCol="0" anchor="ctr"/>
+              <a:lstStyle/>
+              <a:p>
+                <a:pPr algn="ctr"/>
+                <a:endParaRPr lang="en-US" sz="1836"/>
+              </a:p>
+            </p:txBody>
+          </p:sp>
+          <p:sp>
+            <p:nvSpPr>
+              <p:cNvPr id="22" name="Rectangle: Rounded Corners 21">
+                <a:extLst>
+                  <a:ext uri="{FF2B5EF4-FFF2-40B4-BE49-F238E27FC236}">
+                    <a16:creationId xmlns:a16="http://schemas.microsoft.com/office/drawing/2014/main" id="{AD7AF715-003C-4BC4-9D1C-330632CB6A7C}"/>
+                  </a:ext>
+                </a:extLst>
+              </p:cNvPr>
+              <p:cNvSpPr/>
+              <p:nvPr/>
+            </p:nvSpPr>
+            <p:spPr>
+              <a:xfrm>
+                <a:off x="689210" y="5477443"/>
+                <a:ext cx="942820" cy="219184"/>
+              </a:xfrm>
+              <a:prstGeom prst="roundRect">
+                <a:avLst/>
+              </a:prstGeom>
+              <a:noFill/>
+              <a:ln w="19050">
+                <a:solidFill>
+                  <a:srgbClr val="FF0000"/>
+                </a:solidFill>
+                <a:prstDash val="sysDot"/>
+              </a:ln>
+            </p:spPr>
+            <p:style>
+              <a:lnRef idx="2">
+                <a:schemeClr val="accent1">
+                  <a:shade val="50000"/>
+                </a:schemeClr>
+              </a:lnRef>
+              <a:fillRef idx="1">
+                <a:schemeClr val="accent1"/>
+              </a:fillRef>
+              <a:effectRef idx="0">
+                <a:schemeClr val="accent1"/>
+              </a:effectRef>
+              <a:fontRef idx="minor">
+                <a:schemeClr val="lt1"/>
+              </a:fontRef>
+            </p:style>
+            <p:txBody>
+              <a:bodyPr rtlCol="0" anchor="ctr"/>
+              <a:lstStyle/>
+              <a:p>
+                <a:pPr algn="ctr"/>
+                <a:endParaRPr lang="en-US" sz="1836"/>
+              </a:p>
+            </p:txBody>
+          </p:sp>
+          <p:cxnSp>
+            <p:nvCxnSpPr>
+              <p:cNvPr id="25" name="Straight Arrow Connector 24">
+                <a:extLst>
+                  <a:ext uri="{FF2B5EF4-FFF2-40B4-BE49-F238E27FC236}">
+                    <a16:creationId xmlns:a16="http://schemas.microsoft.com/office/drawing/2014/main" id="{FE5F5EC5-84D4-4009-B98F-02FFBC9B2869}"/>
+                  </a:ext>
+                </a:extLst>
+              </p:cNvPr>
+              <p:cNvCxnSpPr>
+                <a:cxnSpLocks/>
+                <a:stCxn id="20" idx="3"/>
+              </p:cNvCxnSpPr>
+              <p:nvPr/>
+            </p:nvCxnSpPr>
+            <p:spPr>
+              <a:xfrm>
+                <a:off x="2010138" y="4390663"/>
+                <a:ext cx="2720049" cy="219919"/>
+              </a:xfrm>
+              <a:prstGeom prst="straightConnector1">
+                <a:avLst/>
+              </a:prstGeom>
+              <a:ln w="19050">
+                <a:solidFill>
+                  <a:srgbClr val="FF0000"/>
+                </a:solidFill>
+                <a:prstDash val="solid"/>
+                <a:tailEnd type="triangle"/>
+              </a:ln>
+            </p:spPr>
+            <p:style>
+              <a:lnRef idx="1">
+                <a:schemeClr val="accent1"/>
+              </a:lnRef>
+              <a:fillRef idx="0">
+                <a:schemeClr val="accent1"/>
+              </a:fillRef>
+              <a:effectRef idx="0">
+                <a:schemeClr val="accent1"/>
+              </a:effectRef>
+              <a:fontRef idx="minor">
+                <a:schemeClr val="tx1"/>
+              </a:fontRef>
+            </p:style>
+          </p:cxnSp>
+          <p:cxnSp>
+            <p:nvCxnSpPr>
+              <p:cNvPr id="28" name="Straight Arrow Connector 27">
+                <a:extLst>
+                  <a:ext uri="{FF2B5EF4-FFF2-40B4-BE49-F238E27FC236}">
+                    <a16:creationId xmlns:a16="http://schemas.microsoft.com/office/drawing/2014/main" id="{A985BADA-E9D1-49F6-BC91-5F305587D0C0}"/>
+                  </a:ext>
+                </a:extLst>
+              </p:cNvPr>
+              <p:cNvCxnSpPr>
+                <a:cxnSpLocks/>
+                <a:stCxn id="21" idx="3"/>
+              </p:cNvCxnSpPr>
+              <p:nvPr/>
+            </p:nvCxnSpPr>
+            <p:spPr>
+              <a:xfrm flipV="1">
+                <a:off x="2033286" y="4893088"/>
+                <a:ext cx="2696901" cy="109592"/>
+              </a:xfrm>
+              <a:prstGeom prst="straightConnector1">
+                <a:avLst/>
+              </a:prstGeom>
+              <a:ln w="19050">
+                <a:solidFill>
+                  <a:srgbClr val="FF0000"/>
+                </a:solidFill>
+                <a:prstDash val="solid"/>
+                <a:tailEnd type="triangle"/>
+              </a:ln>
+            </p:spPr>
+            <p:style>
+              <a:lnRef idx="1">
+                <a:schemeClr val="accent1"/>
+              </a:lnRef>
+              <a:fillRef idx="0">
+                <a:schemeClr val="accent1"/>
+              </a:fillRef>
+              <a:effectRef idx="0">
+                <a:schemeClr val="accent1"/>
+              </a:effectRef>
+              <a:fontRef idx="minor">
+                <a:schemeClr val="tx1"/>
+              </a:fontRef>
+            </p:style>
+          </p:cxnSp>
+          <p:cxnSp>
+            <p:nvCxnSpPr>
+              <p:cNvPr id="31" name="Straight Arrow Connector 30">
+                <a:extLst>
+                  <a:ext uri="{FF2B5EF4-FFF2-40B4-BE49-F238E27FC236}">
+                    <a16:creationId xmlns:a16="http://schemas.microsoft.com/office/drawing/2014/main" id="{CD306099-2FE6-4936-80E9-01E007B8FDE3}"/>
+                  </a:ext>
+                </a:extLst>
+              </p:cNvPr>
+              <p:cNvCxnSpPr>
+                <a:cxnSpLocks/>
+              </p:cNvCxnSpPr>
+              <p:nvPr/>
+            </p:nvCxnSpPr>
+            <p:spPr>
+              <a:xfrm flipV="1">
+                <a:off x="1632030" y="5181600"/>
+                <a:ext cx="3098157" cy="381000"/>
+              </a:xfrm>
+              <a:prstGeom prst="straightConnector1">
+                <a:avLst/>
+              </a:prstGeom>
+              <a:ln w="19050">
+                <a:solidFill>
+                  <a:srgbClr val="FF0000"/>
+                </a:solidFill>
+                <a:prstDash val="solid"/>
+                <a:tailEnd type="triangle"/>
+              </a:ln>
+            </p:spPr>
+            <p:style>
+              <a:lnRef idx="1">
+                <a:schemeClr val="accent1"/>
+              </a:lnRef>
+              <a:fillRef idx="0">
+                <a:schemeClr val="accent1"/>
+              </a:fillRef>
+              <a:effectRef idx="0">
+                <a:schemeClr val="accent1"/>
+              </a:effectRef>
+              <a:fontRef idx="minor">
+                <a:schemeClr val="tx1"/>
+              </a:fontRef>
+            </p:style>
+          </p:cxnSp>
+        </p:grpSp>
       </p:grpSp>
     </p:spTree>
     <p:extLst>
@@ -12929,9 +13166,6 @@
                     <p:cTn id="3" fill="hold">
                       <p:stCondLst>
                         <p:cond delay="indefinite"/>
-                        <p:cond evt="onBegin" delay="0">
-                          <p:tn val="2"/>
-                        </p:cond>
                       </p:stCondLst>
                       <p:childTnLst>
                         <p:par>
@@ -12941,7 +13175,7 @@
                             </p:stCondLst>
                             <p:childTnLst>
                               <p:par>
-                                <p:cTn id="5" presetID="22" presetClass="entr" presetSubtype="8" fill="hold" nodeType="withEffect">
+                                <p:cTn id="5" presetID="1" presetClass="entr" presetSubtype="0" fill="hold" nodeType="clickEffect">
                                   <p:stCondLst>
                                     <p:cond delay="0"/>
                                   </p:stCondLst>
@@ -12954,7 +13188,7 @@
                                           </p:stCondLst>
                                         </p:cTn>
                                         <p:tgtEl>
-                                          <p:spTgt spid="34"/>
+                                          <p:spTgt spid="9"/>
                                         </p:tgtEl>
                                         <p:attrNameLst>
                                           <p:attrName>style.visibility</p:attrName>
@@ -12964,32 +13198,42 @@
                                         <p:strVal val="visible"/>
                                       </p:to>
                                     </p:set>
-                                    <p:animEffect transition="in" filter="wipe(left)">
-                                      <p:cBhvr>
-                                        <p:cTn id="7" dur="500"/>
-                                        <p:tgtEl>
-                                          <p:spTgt spid="34"/>
-                                        </p:tgtEl>
-                                      </p:cBhvr>
-                                    </p:animEffect>
                                   </p:childTnLst>
                                 </p:cTn>
                               </p:par>
+                            </p:childTnLst>
+                          </p:cTn>
+                        </p:par>
+                      </p:childTnLst>
+                    </p:cTn>
+                  </p:par>
+                  <p:par>
+                    <p:cTn id="7" fill="hold">
+                      <p:stCondLst>
+                        <p:cond delay="indefinite"/>
+                      </p:stCondLst>
+                      <p:childTnLst>
+                        <p:par>
+                          <p:cTn id="8" fill="hold">
+                            <p:stCondLst>
+                              <p:cond delay="0"/>
+                            </p:stCondLst>
+                            <p:childTnLst>
                               <p:par>
-                                <p:cTn id="8" presetID="22" presetClass="entr" presetSubtype="8" fill="hold" nodeType="withEffect">
+                                <p:cTn id="9" presetID="1" presetClass="entr" presetSubtype="0" fill="hold" nodeType="clickEffect">
                                   <p:stCondLst>
                                     <p:cond delay="0"/>
                                   </p:stCondLst>
                                   <p:childTnLst>
                                     <p:set>
                                       <p:cBhvr>
-                                        <p:cTn id="9" dur="1" fill="hold">
+                                        <p:cTn id="10" dur="1" fill="hold">
                                           <p:stCondLst>
                                             <p:cond delay="0"/>
                                           </p:stCondLst>
                                         </p:cTn>
                                         <p:tgtEl>
-                                          <p:spTgt spid="35"/>
+                                          <p:spTgt spid="10"/>
                                         </p:tgtEl>
                                         <p:attrNameLst>
                                           <p:attrName>style.visibility</p:attrName>
@@ -12999,14 +13243,6 @@
                                         <p:strVal val="visible"/>
                                       </p:to>
                                     </p:set>
-                                    <p:animEffect transition="in" filter="wipe(left)">
-                                      <p:cBhvr>
-                                        <p:cTn id="10" dur="500"/>
-                                        <p:tgtEl>
-                                          <p:spTgt spid="35"/>
-                                        </p:tgtEl>
-                                      </p:cBhvr>
-                                    </p:animEffect>
                                   </p:childTnLst>
                                 </p:cTn>
                               </p:par>
@@ -13625,11 +13861,11 @@
   <p:clrMapOvr>
     <a:masterClrMapping/>
   </p:clrMapOvr>
-  <mc:AlternateContent xmlns:mc="http://schemas.openxmlformats.org/markup-compatibility/2006">
-    <mc:Choice xmlns:p14="http://schemas.microsoft.com/office/powerpoint/2010/main" Requires="p14">
+  <mc:AlternateContent xmlns:mc="http://schemas.openxmlformats.org/markup-compatibility/2006" xmlns:p14="http://schemas.microsoft.com/office/powerpoint/2010/main">
+    <mc:Choice Requires="p14">
       <p:transition p14:dur="0"/>
     </mc:Choice>
-    <mc:Fallback>
+    <mc:Fallback xmlns="">
       <p:transition/>
     </mc:Fallback>
   </mc:AlternateContent>
@@ -13637,6 +13873,134 @@
 </file>
 
 <file path=ppt/slides/slide44.xml><?xml version="1.0" encoding="utf-8"?>
+<p:sld xmlns:a="http://schemas.openxmlformats.org/drawingml/2006/main" xmlns:r="http://schemas.openxmlformats.org/officeDocument/2006/relationships" xmlns:p="http://schemas.openxmlformats.org/presentationml/2006/main">
+  <p:cSld>
+    <p:spTree>
+      <p:nvGrpSpPr>
+        <p:cNvPr id="1" name=""/>
+        <p:cNvGrpSpPr/>
+        <p:nvPr/>
+      </p:nvGrpSpPr>
+      <p:grpSpPr>
+        <a:xfrm>
+          <a:off x="0" y="0"/>
+          <a:ext cx="0" cy="0"/>
+          <a:chOff x="0" y="0"/>
+          <a:chExt cx="0" cy="0"/>
+        </a:xfrm>
+      </p:grpSpPr>
+      <p:sp>
+        <p:nvSpPr>
+          <p:cNvPr id="2" name="Title 1">
+            <a:extLst>
+              <a:ext uri="{FF2B5EF4-FFF2-40B4-BE49-F238E27FC236}">
+                <a16:creationId xmlns:a16="http://schemas.microsoft.com/office/drawing/2014/main" id="{3EEB2EED-44E5-4AF2-97C9-C1FAB6E08304}"/>
+              </a:ext>
+            </a:extLst>
+          </p:cNvPr>
+          <p:cNvSpPr>
+            <a:spLocks noGrp="1"/>
+          </p:cNvSpPr>
+          <p:nvPr>
+            <p:ph type="title"/>
+          </p:nvPr>
+        </p:nvSpPr>
+        <p:spPr/>
+        <p:txBody>
+          <a:bodyPr/>
+          <a:lstStyle/>
+          <a:p>
+            <a:r>
+              <a:rPr lang="en-US" dirty="0"/>
+              <a:t>Implementing Visual Highlighting Support</a:t>
+            </a:r>
+          </a:p>
+        </p:txBody>
+      </p:sp>
+      <p:pic>
+        <p:nvPicPr>
+          <p:cNvPr id="4" name="Picture 3">
+            <a:extLst>
+              <a:ext uri="{FF2B5EF4-FFF2-40B4-BE49-F238E27FC236}">
+                <a16:creationId xmlns:a16="http://schemas.microsoft.com/office/drawing/2014/main" id="{5107FB5D-88B7-4775-9B5F-8E7C20E7E1CE}"/>
+              </a:ext>
+            </a:extLst>
+          </p:cNvPr>
+          <p:cNvPicPr>
+            <a:picLocks noChangeAspect="1"/>
+          </p:cNvPicPr>
+          <p:nvPr/>
+        </p:nvPicPr>
+        <p:blipFill>
+          <a:blip r:embed="rId2"/>
+          <a:stretch>
+            <a:fillRect/>
+          </a:stretch>
+        </p:blipFill>
+        <p:spPr>
+          <a:xfrm>
+            <a:off x="8530267" y="1282019"/>
+            <a:ext cx="3758840" cy="1856217"/>
+          </a:xfrm>
+          <a:prstGeom prst="rect">
+            <a:avLst/>
+          </a:prstGeom>
+          <a:ln>
+            <a:solidFill>
+              <a:schemeClr val="tx1">
+                <a:lumMod val="75000"/>
+              </a:schemeClr>
+            </a:solidFill>
+          </a:ln>
+        </p:spPr>
+      </p:pic>
+      <p:pic>
+        <p:nvPicPr>
+          <p:cNvPr id="6" name="Picture 5">
+            <a:extLst>
+              <a:ext uri="{FF2B5EF4-FFF2-40B4-BE49-F238E27FC236}">
+                <a16:creationId xmlns:a16="http://schemas.microsoft.com/office/drawing/2014/main" id="{8F09FFDD-6E39-4C07-BEE3-DC551E514AB8}"/>
+              </a:ext>
+            </a:extLst>
+          </p:cNvPr>
+          <p:cNvPicPr>
+            <a:picLocks noChangeAspect="1"/>
+          </p:cNvPicPr>
+          <p:nvPr/>
+        </p:nvPicPr>
+        <p:blipFill>
+          <a:blip r:embed="rId3"/>
+          <a:stretch>
+            <a:fillRect/>
+          </a:stretch>
+        </p:blipFill>
+        <p:spPr>
+          <a:xfrm>
+            <a:off x="380148" y="1282019"/>
+            <a:ext cx="7921519" cy="4457474"/>
+          </a:xfrm>
+          <a:prstGeom prst="rect">
+            <a:avLst/>
+          </a:prstGeom>
+        </p:spPr>
+      </p:pic>
+    </p:spTree>
+    <p:extLst>
+      <p:ext uri="{BB962C8B-B14F-4D97-AF65-F5344CB8AC3E}">
+        <p14:creationId xmlns:p14="http://schemas.microsoft.com/office/powerpoint/2010/main" val="1944121266"/>
+      </p:ext>
+    </p:extLst>
+  </p:cSld>
+  <p:clrMapOvr>
+    <a:masterClrMapping/>
+  </p:clrMapOvr>
+  <p:transition>
+    <p:fade/>
+  </p:transition>
+</p:sld>
+</file>
+
+<file path=ppt/slides/slide45.xml><?xml version="1.0" encoding="utf-8"?>
 <p:sld xmlns:a="http://schemas.openxmlformats.org/drawingml/2006/main" xmlns:r="http://schemas.openxmlformats.org/officeDocument/2006/relationships" xmlns:p="http://schemas.openxmlformats.org/presentationml/2006/main">
   <p:cSld>
     <p:bg>
@@ -13794,181 +14158,14 @@
   <p:clrMapOvr>
     <a:masterClrMapping/>
   </p:clrMapOvr>
-  <mc:AlternateContent xmlns:mc="http://schemas.openxmlformats.org/markup-compatibility/2006">
-    <mc:Choice xmlns:p14="http://schemas.microsoft.com/office/powerpoint/2010/main" Requires="p14">
+  <mc:AlternateContent xmlns:mc="http://schemas.openxmlformats.org/markup-compatibility/2006" xmlns:p14="http://schemas.microsoft.com/office/powerpoint/2010/main">
+    <mc:Choice Requires="p14">
       <p:transition p14:dur="0"/>
     </mc:Choice>
-    <mc:Fallback>
+    <mc:Fallback xmlns="">
       <p:transition/>
     </mc:Fallback>
   </mc:AlternateContent>
-</p:sld>
-</file>
-
-<file path=ppt/slides/slide45.xml><?xml version="1.0" encoding="utf-8"?>
-<p:sld xmlns:a="http://schemas.openxmlformats.org/drawingml/2006/main" xmlns:r="http://schemas.openxmlformats.org/officeDocument/2006/relationships" xmlns:p="http://schemas.openxmlformats.org/presentationml/2006/main">
-  <p:cSld>
-    <p:spTree>
-      <p:nvGrpSpPr>
-        <p:cNvPr id="1" name=""/>
-        <p:cNvGrpSpPr/>
-        <p:nvPr/>
-      </p:nvGrpSpPr>
-      <p:grpSpPr>
-        <a:xfrm>
-          <a:off x="0" y="0"/>
-          <a:ext cx="0" cy="0"/>
-          <a:chOff x="0" y="0"/>
-          <a:chExt cx="0" cy="0"/>
-        </a:xfrm>
-      </p:grpSpPr>
-      <p:sp>
-        <p:nvSpPr>
-          <p:cNvPr id="2" name="Title 1">
-            <a:extLst>
-              <a:ext uri="{FF2B5EF4-FFF2-40B4-BE49-F238E27FC236}">
-                <a16:creationId xmlns:a16="http://schemas.microsoft.com/office/drawing/2014/main" id="{2FAD0C5F-1B3F-45E2-A36E-C4EF11EE91AB}"/>
-              </a:ext>
-            </a:extLst>
-          </p:cNvPr>
-          <p:cNvSpPr>
-            <a:spLocks noGrp="1"/>
-          </p:cNvSpPr>
-          <p:nvPr>
-            <p:ph type="title"/>
-          </p:nvPr>
-        </p:nvSpPr>
-        <p:spPr/>
-        <p:txBody>
-          <a:bodyPr/>
-          <a:lstStyle/>
-          <a:p>
-            <a:r>
-              <a:rPr lang="en-US" dirty="0"/>
-              <a:t>Packaging A Custom Visual for Deployment</a:t>
-            </a:r>
-          </a:p>
-        </p:txBody>
-      </p:sp>
-      <p:sp>
-        <p:nvSpPr>
-          <p:cNvPr id="3" name="Text Placeholder 2">
-            <a:extLst>
-              <a:ext uri="{FF2B5EF4-FFF2-40B4-BE49-F238E27FC236}">
-                <a16:creationId xmlns:a16="http://schemas.microsoft.com/office/drawing/2014/main" id="{CE92CA0A-043F-41E4-8063-EA8956B480B6}"/>
-              </a:ext>
-            </a:extLst>
-          </p:cNvPr>
-          <p:cNvSpPr>
-            <a:spLocks noGrp="1"/>
-          </p:cNvSpPr>
-          <p:nvPr>
-            <p:ph type="body" sz="quarter" idx="10"/>
-          </p:nvPr>
-        </p:nvSpPr>
-        <p:spPr>
-          <a:xfrm>
-            <a:off x="588263" y="1378083"/>
-            <a:ext cx="11239464" cy="1295676"/>
-          </a:xfrm>
-        </p:spPr>
-        <p:txBody>
-          <a:bodyPr/>
-          <a:lstStyle/>
-          <a:p>
-            <a:r>
-              <a:rPr lang="en-US" dirty="0"/>
-              <a:t>Use the </a:t>
-            </a:r>
-            <a:r>
-              <a:rPr lang="en-US" sz="2000" b="1" dirty="0" err="1">
-                <a:solidFill>
-                  <a:schemeClr val="tx2"/>
-                </a:solidFill>
-                <a:latin typeface="Lucida Console" panose="020B0609040504020204" pitchFamily="49" charset="0"/>
-              </a:rPr>
-              <a:t>pbiviz</a:t>
-            </a:r>
-            <a:r>
-              <a:rPr lang="en-US" sz="2000" b="1" dirty="0">
-                <a:solidFill>
-                  <a:schemeClr val="tx2"/>
-                </a:solidFill>
-                <a:latin typeface="Lucida Console" panose="020B0609040504020204" pitchFamily="49" charset="0"/>
-              </a:rPr>
-              <a:t> package</a:t>
-            </a:r>
-            <a:r>
-              <a:rPr lang="en-US" dirty="0"/>
-              <a:t> command to build PBIVIZ file for distribution</a:t>
-            </a:r>
-          </a:p>
-          <a:p>
-            <a:pPr lvl="1"/>
-            <a:r>
-              <a:rPr lang="en-US" dirty="0"/>
-              <a:t>Build versioned package for distribution</a:t>
-            </a:r>
-          </a:p>
-          <a:p>
-            <a:pPr lvl="1"/>
-            <a:r>
-              <a:rPr lang="en-US" dirty="0"/>
-              <a:t>Build version for testing in Power BI Desktop</a:t>
-            </a:r>
-          </a:p>
-        </p:txBody>
-      </p:sp>
-      <p:pic>
-        <p:nvPicPr>
-          <p:cNvPr id="5" name="Picture 4">
-            <a:extLst>
-              <a:ext uri="{FF2B5EF4-FFF2-40B4-BE49-F238E27FC236}">
-                <a16:creationId xmlns:a16="http://schemas.microsoft.com/office/drawing/2014/main" id="{32FCE6A0-0D71-4E36-8E4F-7D2F6B8EE505}"/>
-              </a:ext>
-            </a:extLst>
-          </p:cNvPr>
-          <p:cNvPicPr>
-            <a:picLocks noChangeAspect="1"/>
-          </p:cNvPicPr>
-          <p:nvPr/>
-        </p:nvPicPr>
-        <p:blipFill>
-          <a:blip r:embed="rId2"/>
-          <a:stretch>
-            <a:fillRect/>
-          </a:stretch>
-        </p:blipFill>
-        <p:spPr>
-          <a:xfrm>
-            <a:off x="1080286" y="2928330"/>
-            <a:ext cx="10899841" cy="2043720"/>
-          </a:xfrm>
-          <a:prstGeom prst="rect">
-            <a:avLst/>
-          </a:prstGeom>
-          <a:ln>
-            <a:solidFill>
-              <a:schemeClr val="tx1">
-                <a:lumMod val="75000"/>
-              </a:schemeClr>
-            </a:solidFill>
-          </a:ln>
-        </p:spPr>
-      </p:pic>
-    </p:spTree>
-    <p:extLst>
-      <p:ext uri="{BB962C8B-B14F-4D97-AF65-F5344CB8AC3E}">
-        <p14:creationId xmlns:p14="http://schemas.microsoft.com/office/powerpoint/2010/main" val="250667444"/>
-      </p:ext>
-    </p:extLst>
-  </p:cSld>
-  <p:clrMapOvr>
-    <a:masterClrMapping/>
-  </p:clrMapOvr>
-  <p:transition>
-    <p:fade/>
-  </p:transition>
 </p:sld>
 </file>
 
@@ -13994,6 +14191,173 @@
           <p:cNvPr id="2" name="Title 1">
             <a:extLst>
               <a:ext uri="{FF2B5EF4-FFF2-40B4-BE49-F238E27FC236}">
+                <a16:creationId xmlns:a16="http://schemas.microsoft.com/office/drawing/2014/main" id="{2FAD0C5F-1B3F-45E2-A36E-C4EF11EE91AB}"/>
+              </a:ext>
+            </a:extLst>
+          </p:cNvPr>
+          <p:cNvSpPr>
+            <a:spLocks noGrp="1"/>
+          </p:cNvSpPr>
+          <p:nvPr>
+            <p:ph type="title"/>
+          </p:nvPr>
+        </p:nvSpPr>
+        <p:spPr/>
+        <p:txBody>
+          <a:bodyPr/>
+          <a:lstStyle/>
+          <a:p>
+            <a:r>
+              <a:rPr lang="en-US" dirty="0"/>
+              <a:t>Packaging A Custom Visual for Deployment</a:t>
+            </a:r>
+          </a:p>
+        </p:txBody>
+      </p:sp>
+      <p:sp>
+        <p:nvSpPr>
+          <p:cNvPr id="3" name="Text Placeholder 2">
+            <a:extLst>
+              <a:ext uri="{FF2B5EF4-FFF2-40B4-BE49-F238E27FC236}">
+                <a16:creationId xmlns:a16="http://schemas.microsoft.com/office/drawing/2014/main" id="{CE92CA0A-043F-41E4-8063-EA8956B480B6}"/>
+              </a:ext>
+            </a:extLst>
+          </p:cNvPr>
+          <p:cNvSpPr>
+            <a:spLocks noGrp="1"/>
+          </p:cNvSpPr>
+          <p:nvPr>
+            <p:ph type="body" sz="quarter" idx="10"/>
+          </p:nvPr>
+        </p:nvSpPr>
+        <p:spPr>
+          <a:xfrm>
+            <a:off x="588263" y="1378083"/>
+            <a:ext cx="11239464" cy="1295676"/>
+          </a:xfrm>
+        </p:spPr>
+        <p:txBody>
+          <a:bodyPr/>
+          <a:lstStyle/>
+          <a:p>
+            <a:r>
+              <a:rPr lang="en-US" dirty="0"/>
+              <a:t>Use the </a:t>
+            </a:r>
+            <a:r>
+              <a:rPr lang="en-US" sz="2000" b="1" dirty="0" err="1">
+                <a:solidFill>
+                  <a:schemeClr val="tx2"/>
+                </a:solidFill>
+                <a:latin typeface="Lucida Console" panose="020B0609040504020204" pitchFamily="49" charset="0"/>
+              </a:rPr>
+              <a:t>pbiviz</a:t>
+            </a:r>
+            <a:r>
+              <a:rPr lang="en-US" sz="2000" b="1" dirty="0">
+                <a:solidFill>
+                  <a:schemeClr val="tx2"/>
+                </a:solidFill>
+                <a:latin typeface="Lucida Console" panose="020B0609040504020204" pitchFamily="49" charset="0"/>
+              </a:rPr>
+              <a:t> package</a:t>
+            </a:r>
+            <a:r>
+              <a:rPr lang="en-US" dirty="0"/>
+              <a:t> command to build PBIVIZ file for distribution</a:t>
+            </a:r>
+          </a:p>
+          <a:p>
+            <a:pPr lvl="1"/>
+            <a:r>
+              <a:rPr lang="en-US" dirty="0"/>
+              <a:t>Build versioned package for distribution</a:t>
+            </a:r>
+          </a:p>
+          <a:p>
+            <a:pPr lvl="1"/>
+            <a:r>
+              <a:rPr lang="en-US" dirty="0"/>
+              <a:t>Build version for testing in Power BI Desktop</a:t>
+            </a:r>
+          </a:p>
+        </p:txBody>
+      </p:sp>
+      <p:pic>
+        <p:nvPicPr>
+          <p:cNvPr id="5" name="Picture 4">
+            <a:extLst>
+              <a:ext uri="{FF2B5EF4-FFF2-40B4-BE49-F238E27FC236}">
+                <a16:creationId xmlns:a16="http://schemas.microsoft.com/office/drawing/2014/main" id="{32FCE6A0-0D71-4E36-8E4F-7D2F6B8EE505}"/>
+              </a:ext>
+            </a:extLst>
+          </p:cNvPr>
+          <p:cNvPicPr>
+            <a:picLocks noChangeAspect="1"/>
+          </p:cNvPicPr>
+          <p:nvPr/>
+        </p:nvPicPr>
+        <p:blipFill>
+          <a:blip r:embed="rId2"/>
+          <a:stretch>
+            <a:fillRect/>
+          </a:stretch>
+        </p:blipFill>
+        <p:spPr>
+          <a:xfrm>
+            <a:off x="1080286" y="2928330"/>
+            <a:ext cx="10899841" cy="2043720"/>
+          </a:xfrm>
+          <a:prstGeom prst="rect">
+            <a:avLst/>
+          </a:prstGeom>
+          <a:ln>
+            <a:solidFill>
+              <a:schemeClr val="tx1">
+                <a:lumMod val="75000"/>
+              </a:schemeClr>
+            </a:solidFill>
+          </a:ln>
+        </p:spPr>
+      </p:pic>
+    </p:spTree>
+    <p:extLst>
+      <p:ext uri="{BB962C8B-B14F-4D97-AF65-F5344CB8AC3E}">
+        <p14:creationId xmlns:p14="http://schemas.microsoft.com/office/powerpoint/2010/main" val="250667444"/>
+      </p:ext>
+    </p:extLst>
+  </p:cSld>
+  <p:clrMapOvr>
+    <a:masterClrMapping/>
+  </p:clrMapOvr>
+  <p:transition>
+    <p:fade/>
+  </p:transition>
+</p:sld>
+</file>
+
+<file path=ppt/slides/slide47.xml><?xml version="1.0" encoding="utf-8"?>
+<p:sld xmlns:a="http://schemas.openxmlformats.org/drawingml/2006/main" xmlns:r="http://schemas.openxmlformats.org/officeDocument/2006/relationships" xmlns:p="http://schemas.openxmlformats.org/presentationml/2006/main">
+  <p:cSld>
+    <p:spTree>
+      <p:nvGrpSpPr>
+        <p:cNvPr id="1" name=""/>
+        <p:cNvGrpSpPr/>
+        <p:nvPr/>
+      </p:nvGrpSpPr>
+      <p:grpSpPr>
+        <a:xfrm>
+          <a:off x="0" y="0"/>
+          <a:ext cx="0" cy="0"/>
+          <a:chOff x="0" y="0"/>
+          <a:chExt cx="0" cy="0"/>
+        </a:xfrm>
+      </p:grpSpPr>
+      <p:sp>
+        <p:nvSpPr>
+          <p:cNvPr id="2" name="Title 1">
+            <a:extLst>
+              <a:ext uri="{FF2B5EF4-FFF2-40B4-BE49-F238E27FC236}">
                 <a16:creationId xmlns:a16="http://schemas.microsoft.com/office/drawing/2014/main" id="{13293028-9089-4661-BB1F-95A5B57757F0}"/>
               </a:ext>
             </a:extLst>
@@ -14103,7 +14467,7 @@
 </p:sld>
 </file>
 
-<file path=ppt/slides/slide47.xml><?xml version="1.0" encoding="utf-8"?>
+<file path=ppt/slides/slide48.xml><?xml version="1.0" encoding="utf-8"?>
 <p:sld xmlns:a="http://schemas.openxmlformats.org/drawingml/2006/main" xmlns:r="http://schemas.openxmlformats.org/officeDocument/2006/relationships" xmlns:p="http://schemas.openxmlformats.org/presentationml/2006/main">
   <p:cSld>
     <p:bg>
@@ -14261,18 +14625,18 @@
   <p:clrMapOvr>
     <a:masterClrMapping/>
   </p:clrMapOvr>
-  <mc:AlternateContent xmlns:mc="http://schemas.openxmlformats.org/markup-compatibility/2006">
-    <mc:Choice xmlns:p14="http://schemas.microsoft.com/office/powerpoint/2010/main" Requires="p14">
+  <mc:AlternateContent xmlns:mc="http://schemas.openxmlformats.org/markup-compatibility/2006" xmlns:p14="http://schemas.microsoft.com/office/powerpoint/2010/main">
+    <mc:Choice Requires="p14">
       <p:transition p14:dur="0"/>
     </mc:Choice>
-    <mc:Fallback>
+    <mc:Fallback xmlns="">
       <p:transition/>
     </mc:Fallback>
   </mc:AlternateContent>
 </p:sld>
 </file>
 
-<file path=ppt/slides/slide48.xml><?xml version="1.0" encoding="utf-8"?>
+<file path=ppt/slides/slide49.xml><?xml version="1.0" encoding="utf-8"?>
 <p:sld xmlns:a="http://schemas.openxmlformats.org/drawingml/2006/main" xmlns:r="http://schemas.openxmlformats.org/officeDocument/2006/relationships" xmlns:p="http://schemas.openxmlformats.org/presentationml/2006/main">
   <p:cSld>
     <p:spTree>
@@ -14370,7 +14734,176 @@
 </p:sld>
 </file>
 
-<file path=ppt/slides/slide49.xml><?xml version="1.0" encoding="utf-8"?>
+<file path=ppt/slides/slide5.xml><?xml version="1.0" encoding="utf-8"?>
+<p:sld xmlns:a="http://schemas.openxmlformats.org/drawingml/2006/main" xmlns:r="http://schemas.openxmlformats.org/officeDocument/2006/relationships" xmlns:p="http://schemas.openxmlformats.org/presentationml/2006/main">
+  <p:cSld>
+    <p:bg>
+      <p:bgPr>
+        <a:solidFill>
+          <a:schemeClr val="accent1"/>
+        </a:solidFill>
+        <a:effectLst/>
+      </p:bgPr>
+    </p:bg>
+    <p:spTree>
+      <p:nvGrpSpPr>
+        <p:cNvPr id="1" name=""/>
+        <p:cNvGrpSpPr/>
+        <p:nvPr/>
+      </p:nvGrpSpPr>
+      <p:grpSpPr>
+        <a:xfrm>
+          <a:off x="0" y="0"/>
+          <a:ext cx="0" cy="0"/>
+          <a:chOff x="0" y="0"/>
+          <a:chExt cx="0" cy="0"/>
+        </a:xfrm>
+      </p:grpSpPr>
+      <p:sp>
+        <p:nvSpPr>
+          <p:cNvPr id="6" name="Title 5">
+            <a:extLst>
+              <a:ext uri="{FF2B5EF4-FFF2-40B4-BE49-F238E27FC236}">
+                <a16:creationId xmlns:a16="http://schemas.microsoft.com/office/drawing/2014/main" id="{E7BF15BD-001C-49B3-9A01-B39DEDA47564}"/>
+              </a:ext>
+            </a:extLst>
+          </p:cNvPr>
+          <p:cNvSpPr>
+            <a:spLocks noGrp="1"/>
+          </p:cNvSpPr>
+          <p:nvPr>
+            <p:ph type="title"/>
+          </p:nvPr>
+        </p:nvSpPr>
+        <p:spPr/>
+        <p:txBody>
+          <a:bodyPr/>
+          <a:lstStyle/>
+          <a:p>
+            <a:r>
+              <a:rPr lang="en-US" dirty="0"/>
+              <a:t>Agenda</a:t>
+            </a:r>
+          </a:p>
+        </p:txBody>
+      </p:sp>
+      <p:sp>
+        <p:nvSpPr>
+          <p:cNvPr id="7" name="Text Placeholder 6">
+            <a:extLst>
+              <a:ext uri="{FF2B5EF4-FFF2-40B4-BE49-F238E27FC236}">
+                <a16:creationId xmlns:a16="http://schemas.microsoft.com/office/drawing/2014/main" id="{61F6BD0B-C4D8-42DE-A3A7-50D8219CE639}"/>
+              </a:ext>
+            </a:extLst>
+          </p:cNvPr>
+          <p:cNvSpPr>
+            <a:spLocks noGrp="1"/>
+          </p:cNvSpPr>
+          <p:nvPr>
+            <p:ph type="body" sz="quarter" idx="11"/>
+          </p:nvPr>
+        </p:nvSpPr>
+        <p:spPr>
+          <a:xfrm>
+            <a:off x="4442092" y="2355794"/>
+            <a:ext cx="7796829" cy="3200876"/>
+          </a:xfrm>
+        </p:spPr>
+        <p:txBody>
+          <a:bodyPr/>
+          <a:lstStyle/>
+          <a:p>
+            <a:pPr marL="466298" indent="-466298">
+              <a:buFont typeface="Arial" panose="020B0604020202020204" pitchFamily="34" charset="0"/>
+              <a:buChar char="•"/>
+            </a:pPr>
+            <a:r>
+              <a:rPr lang="en-US" dirty="0"/>
+              <a:t>Installing the Power BI Developer Tools</a:t>
+            </a:r>
+          </a:p>
+          <a:p>
+            <a:pPr marL="466298" indent="-466298">
+              <a:buFont typeface="Arial" panose="020B0604020202020204" pitchFamily="34" charset="0"/>
+              <a:buChar char="•"/>
+            </a:pPr>
+            <a:r>
+              <a:rPr lang="en-US" dirty="0"/>
+              <a:t>Creating Your First Custom Visual</a:t>
+            </a:r>
+          </a:p>
+          <a:p>
+            <a:pPr marL="466298" indent="-466298">
+              <a:buFont typeface="Arial" panose="020B0604020202020204" pitchFamily="34" charset="0"/>
+              <a:buChar char="•"/>
+            </a:pPr>
+            <a:r>
+              <a:rPr lang="en-US" dirty="0"/>
+              <a:t>Defining Data Roles and Data Mappings</a:t>
+            </a:r>
+          </a:p>
+          <a:p>
+            <a:pPr marL="466298" indent="-466298">
+              <a:buFont typeface="Arial" panose="020B0604020202020204" pitchFamily="34" charset="0"/>
+              <a:buChar char="•"/>
+            </a:pPr>
+            <a:r>
+              <a:rPr lang="en-US" dirty="0"/>
+              <a:t>Extending a Visual with Custom Properties</a:t>
+            </a:r>
+          </a:p>
+          <a:p>
+            <a:pPr marL="466298" indent="-466298">
+              <a:buFont typeface="Arial" panose="020B0604020202020204" pitchFamily="34" charset="0"/>
+              <a:buChar char="•"/>
+            </a:pPr>
+            <a:r>
+              <a:rPr lang="en-US" dirty="0"/>
+              <a:t>Implementing Highlighting with </a:t>
+            </a:r>
+            <a:r>
+              <a:rPr lang="en-US" dirty="0" err="1"/>
+              <a:t>SelectionManager</a:t>
+            </a:r>
+            <a:endParaRPr lang="en-US" dirty="0"/>
+          </a:p>
+          <a:p>
+            <a:pPr marL="466298" indent="-466298">
+              <a:buFont typeface="Arial" panose="020B0604020202020204" pitchFamily="34" charset="0"/>
+              <a:buChar char="•"/>
+            </a:pPr>
+            <a:r>
+              <a:rPr lang="en-US" dirty="0"/>
+              <a:t>Custom Visual Packaging and Distribution</a:t>
+            </a:r>
+          </a:p>
+          <a:p>
+            <a:endParaRPr lang="en-US" dirty="0"/>
+          </a:p>
+        </p:txBody>
+      </p:sp>
+    </p:spTree>
+    <p:extLst>
+      <p:ext uri="{BB962C8B-B14F-4D97-AF65-F5344CB8AC3E}">
+        <p14:creationId xmlns:p14="http://schemas.microsoft.com/office/powerpoint/2010/main" val="258233591"/>
+      </p:ext>
+    </p:extLst>
+  </p:cSld>
+  <p:clrMapOvr>
+    <a:masterClrMapping/>
+  </p:clrMapOvr>
+  <mc:AlternateContent xmlns:mc="http://schemas.openxmlformats.org/markup-compatibility/2006" xmlns:p14="http://schemas.microsoft.com/office/powerpoint/2010/main">
+    <mc:Choice Requires="p14">
+      <p:transition p14:dur="0"/>
+    </mc:Choice>
+    <mc:Fallback xmlns="">
+      <p:transition/>
+    </mc:Fallback>
+  </mc:AlternateContent>
+</p:sld>
+</file>
+
+<file path=ppt/slides/slide50.xml><?xml version="1.0" encoding="utf-8"?>
 <p:sld xmlns:a="http://schemas.openxmlformats.org/drawingml/2006/main" xmlns:r="http://schemas.openxmlformats.org/officeDocument/2006/relationships" xmlns:p="http://schemas.openxmlformats.org/presentationml/2006/main">
   <p:cSld>
     <p:bg>
@@ -14521,175 +15054,6 @@
   <p:transition>
     <p:fade/>
   </p:transition>
-</p:sld>
-</file>
-
-<file path=ppt/slides/slide5.xml><?xml version="1.0" encoding="utf-8"?>
-<p:sld xmlns:a="http://schemas.openxmlformats.org/drawingml/2006/main" xmlns:r="http://schemas.openxmlformats.org/officeDocument/2006/relationships" xmlns:p="http://schemas.openxmlformats.org/presentationml/2006/main">
-  <p:cSld>
-    <p:bg>
-      <p:bgPr>
-        <a:solidFill>
-          <a:schemeClr val="accent1"/>
-        </a:solidFill>
-        <a:effectLst/>
-      </p:bgPr>
-    </p:bg>
-    <p:spTree>
-      <p:nvGrpSpPr>
-        <p:cNvPr id="1" name=""/>
-        <p:cNvGrpSpPr/>
-        <p:nvPr/>
-      </p:nvGrpSpPr>
-      <p:grpSpPr>
-        <a:xfrm>
-          <a:off x="0" y="0"/>
-          <a:ext cx="0" cy="0"/>
-          <a:chOff x="0" y="0"/>
-          <a:chExt cx="0" cy="0"/>
-        </a:xfrm>
-      </p:grpSpPr>
-      <p:sp>
-        <p:nvSpPr>
-          <p:cNvPr id="6" name="Title 5">
-            <a:extLst>
-              <a:ext uri="{FF2B5EF4-FFF2-40B4-BE49-F238E27FC236}">
-                <a16:creationId xmlns:a16="http://schemas.microsoft.com/office/drawing/2014/main" id="{E7BF15BD-001C-49B3-9A01-B39DEDA47564}"/>
-              </a:ext>
-            </a:extLst>
-          </p:cNvPr>
-          <p:cNvSpPr>
-            <a:spLocks noGrp="1"/>
-          </p:cNvSpPr>
-          <p:nvPr>
-            <p:ph type="title"/>
-          </p:nvPr>
-        </p:nvSpPr>
-        <p:spPr/>
-        <p:txBody>
-          <a:bodyPr/>
-          <a:lstStyle/>
-          <a:p>
-            <a:r>
-              <a:rPr lang="en-US" dirty="0"/>
-              <a:t>Agenda</a:t>
-            </a:r>
-          </a:p>
-        </p:txBody>
-      </p:sp>
-      <p:sp>
-        <p:nvSpPr>
-          <p:cNvPr id="7" name="Text Placeholder 6">
-            <a:extLst>
-              <a:ext uri="{FF2B5EF4-FFF2-40B4-BE49-F238E27FC236}">
-                <a16:creationId xmlns:a16="http://schemas.microsoft.com/office/drawing/2014/main" id="{61F6BD0B-C4D8-42DE-A3A7-50D8219CE639}"/>
-              </a:ext>
-            </a:extLst>
-          </p:cNvPr>
-          <p:cNvSpPr>
-            <a:spLocks noGrp="1"/>
-          </p:cNvSpPr>
-          <p:nvPr>
-            <p:ph type="body" sz="quarter" idx="11"/>
-          </p:nvPr>
-        </p:nvSpPr>
-        <p:spPr>
-          <a:xfrm>
-            <a:off x="4442092" y="2355794"/>
-            <a:ext cx="7796829" cy="3200876"/>
-          </a:xfrm>
-        </p:spPr>
-        <p:txBody>
-          <a:bodyPr/>
-          <a:lstStyle/>
-          <a:p>
-            <a:pPr marL="466298" indent="-466298">
-              <a:buFont typeface="Arial" panose="020B0604020202020204" pitchFamily="34" charset="0"/>
-              <a:buChar char="•"/>
-            </a:pPr>
-            <a:r>
-              <a:rPr lang="en-US" dirty="0"/>
-              <a:t>Installing the Power BI Developer Tools</a:t>
-            </a:r>
-          </a:p>
-          <a:p>
-            <a:pPr marL="466298" indent="-466298">
-              <a:buFont typeface="Arial" panose="020B0604020202020204" pitchFamily="34" charset="0"/>
-              <a:buChar char="•"/>
-            </a:pPr>
-            <a:r>
-              <a:rPr lang="en-US" dirty="0"/>
-              <a:t>Creating Your First Custom Visual</a:t>
-            </a:r>
-          </a:p>
-          <a:p>
-            <a:pPr marL="466298" indent="-466298">
-              <a:buFont typeface="Arial" panose="020B0604020202020204" pitchFamily="34" charset="0"/>
-              <a:buChar char="•"/>
-            </a:pPr>
-            <a:r>
-              <a:rPr lang="en-US" dirty="0"/>
-              <a:t>Defining Data Roles and Data Mappings</a:t>
-            </a:r>
-          </a:p>
-          <a:p>
-            <a:pPr marL="466298" indent="-466298">
-              <a:buFont typeface="Arial" panose="020B0604020202020204" pitchFamily="34" charset="0"/>
-              <a:buChar char="•"/>
-            </a:pPr>
-            <a:r>
-              <a:rPr lang="en-US" dirty="0"/>
-              <a:t>Extending a Visual with Custom Properties</a:t>
-            </a:r>
-          </a:p>
-          <a:p>
-            <a:pPr marL="466298" indent="-466298">
-              <a:buFont typeface="Arial" panose="020B0604020202020204" pitchFamily="34" charset="0"/>
-              <a:buChar char="•"/>
-            </a:pPr>
-            <a:r>
-              <a:rPr lang="en-US" dirty="0"/>
-              <a:t>Implementing Highlighting with </a:t>
-            </a:r>
-            <a:r>
-              <a:rPr lang="en-US" dirty="0" err="1"/>
-              <a:t>SelectionManager</a:t>
-            </a:r>
-            <a:endParaRPr lang="en-US" dirty="0"/>
-          </a:p>
-          <a:p>
-            <a:pPr marL="466298" indent="-466298">
-              <a:buFont typeface="Arial" panose="020B0604020202020204" pitchFamily="34" charset="0"/>
-              <a:buChar char="•"/>
-            </a:pPr>
-            <a:r>
-              <a:rPr lang="en-US" dirty="0"/>
-              <a:t>Custom Visual Packaging and Distribution</a:t>
-            </a:r>
-          </a:p>
-          <a:p>
-            <a:endParaRPr lang="en-US" dirty="0"/>
-          </a:p>
-        </p:txBody>
-      </p:sp>
-    </p:spTree>
-    <p:extLst>
-      <p:ext uri="{BB962C8B-B14F-4D97-AF65-F5344CB8AC3E}">
-        <p14:creationId xmlns:p14="http://schemas.microsoft.com/office/powerpoint/2010/main" val="258233591"/>
-      </p:ext>
-    </p:extLst>
-  </p:cSld>
-  <p:clrMapOvr>
-    <a:masterClrMapping/>
-  </p:clrMapOvr>
-  <mc:AlternateContent xmlns:mc="http://schemas.openxmlformats.org/markup-compatibility/2006" xmlns:p14="http://schemas.microsoft.com/office/powerpoint/2010/main">
-    <mc:Choice Requires="p14">
-      <p:transition p14:dur="0"/>
-    </mc:Choice>
-    <mc:Fallback xmlns="">
-      <p:transition/>
-    </mc:Fallback>
-  </mc:AlternateContent>
 </p:sld>
 </file>
 
@@ -16550,21 +16914,12 @@
 </file>
 
 <file path=customXml/item1.xml><?xml version="1.0" encoding="utf-8"?>
-<?mso-contentType ?>
-<FormTemplates xmlns="http://schemas.microsoft.com/sharepoint/v3/contenttype/forms">
-  <Display>DocumentLibraryForm</Display>
-  <Edit>DocumentLibraryForm</Edit>
-  <New>DocumentLibraryForm</New>
-</FormTemplates>
-</file>
-
-<file path=customXml/item2.xml><?xml version="1.0" encoding="utf-8"?>
 <p:properties xmlns:p="http://schemas.microsoft.com/office/2006/metadata/properties" xmlns:xsi="http://www.w3.org/2001/XMLSchema-instance" xmlns:pc="http://schemas.microsoft.com/office/infopath/2007/PartnerControls">
   <documentManagement/>
 </p:properties>
 </file>
 
-<file path=customXml/item3.xml><?xml version="1.0" encoding="utf-8"?>
+<file path=customXml/item2.xml><?xml version="1.0" encoding="utf-8"?>
 <ct:contentTypeSchema xmlns:ct="http://schemas.microsoft.com/office/2006/metadata/contentType" xmlns:ma="http://schemas.microsoft.com/office/2006/metadata/properties/metaAttributes" ct:_="" ma:_="" ma:contentTypeName="Document" ma:contentTypeID="0x0101000937CBA2829AB54C847AA138BDB6DD62" ma:contentTypeVersion="6" ma:contentTypeDescription="Create a new document." ma:contentTypeScope="" ma:versionID="0f7e39fa3406a6f330081ac46f53a9d2">
   <xsd:schema xmlns:xsd="http://www.w3.org/2001/XMLSchema" xmlns:xs="http://www.w3.org/2001/XMLSchema" xmlns:p="http://schemas.microsoft.com/office/2006/metadata/properties" xmlns:ns2="ef38329b-e139-4eb4-9d7a-1b84c79a6610" targetNamespace="http://schemas.microsoft.com/office/2006/metadata/properties" ma:root="true" ma:fieldsID="c5e10262f8d934c139771ac03f38712c" ns2:_="">
     <xsd:import namespace="ef38329b-e139-4eb4-9d7a-1b84c79a6610"/>
@@ -16716,31 +17071,32 @@
 </ct:contentTypeSchema>
 </file>
 
+<file path=customXml/item3.xml><?xml version="1.0" encoding="utf-8"?>
+<?mso-contentType ?>
+<FormTemplates xmlns="http://schemas.microsoft.com/sharepoint/v3/contenttype/forms">
+  <Display>DocumentLibraryForm</Display>
+  <Edit>DocumentLibraryForm</Edit>
+  <New>DocumentLibraryForm</New>
+</FormTemplates>
+</file>
+
 <file path=customXml/itemProps1.xml><?xml version="1.0" encoding="utf-8"?>
-<ds:datastoreItem xmlns:ds="http://schemas.openxmlformats.org/officeDocument/2006/customXml" ds:itemID="{758FDAC0-319D-4A54-8D8E-1D42CB1F8004}">
+<ds:datastoreItem xmlns:ds="http://schemas.openxmlformats.org/officeDocument/2006/customXml" ds:itemID="{F990F116-B58F-4255-B05B-DA3808E0E5C6}">
   <ds:schemaRefs>
-    <ds:schemaRef ds:uri="http://schemas.microsoft.com/sharepoint/v3/contenttype/forms"/>
+    <ds:schemaRef ds:uri="http://purl.org/dc/dcmitype/"/>
+    <ds:schemaRef ds:uri="http://schemas.microsoft.com/office/2006/documentManagement/types"/>
+    <ds:schemaRef ds:uri="http://schemas.openxmlformats.org/package/2006/metadata/core-properties"/>
+    <ds:schemaRef ds:uri="http://purl.org/dc/elements/1.1/"/>
+    <ds:schemaRef ds:uri="http://schemas.microsoft.com/office/2006/metadata/properties"/>
+    <ds:schemaRef ds:uri="http://purl.org/dc/terms/"/>
+    <ds:schemaRef ds:uri="http://schemas.microsoft.com/office/infopath/2007/PartnerControls"/>
+    <ds:schemaRef ds:uri="ef38329b-e139-4eb4-9d7a-1b84c79a6610"/>
+    <ds:schemaRef ds:uri="http://www.w3.org/XML/1998/namespace"/>
   </ds:schemaRefs>
 </ds:datastoreItem>
 </file>
 
 <file path=customXml/itemProps2.xml><?xml version="1.0" encoding="utf-8"?>
-<ds:datastoreItem xmlns:ds="http://schemas.openxmlformats.org/officeDocument/2006/customXml" ds:itemID="{F990F116-B58F-4255-B05B-DA3808E0E5C6}">
-  <ds:schemaRefs>
-    <ds:schemaRef ds:uri="http://schemas.microsoft.com/office/2006/documentManagement/types"/>
-    <ds:schemaRef ds:uri="ef38329b-e139-4eb4-9d7a-1b84c79a6610"/>
-    <ds:schemaRef ds:uri="http://schemas.microsoft.com/office/2006/metadata/properties"/>
-    <ds:schemaRef ds:uri="http://purl.org/dc/elements/1.1/"/>
-    <ds:schemaRef ds:uri="http://www.w3.org/XML/1998/namespace"/>
-    <ds:schemaRef ds:uri="http://purl.org/dc/terms/"/>
-    <ds:schemaRef ds:uri="http://purl.org/dc/dcmitype/"/>
-    <ds:schemaRef ds:uri="http://schemas.microsoft.com/office/infopath/2007/PartnerControls"/>
-    <ds:schemaRef ds:uri="http://schemas.openxmlformats.org/package/2006/metadata/core-properties"/>
-  </ds:schemaRefs>
-</ds:datastoreItem>
-</file>
-
-<file path=customXml/itemProps3.xml><?xml version="1.0" encoding="utf-8"?>
 <ds:datastoreItem xmlns:ds="http://schemas.openxmlformats.org/officeDocument/2006/customXml" ds:itemID="{A4052A8C-2220-4E4B-95E2-C05C9863F10E}">
   <ds:schemaRefs>
     <ds:schemaRef ds:uri="ef38329b-e139-4eb4-9d7a-1b84c79a6610"/>
@@ -16758,6 +17114,14 @@
 </ds:datastoreItem>
 </file>
 
+<file path=customXml/itemProps3.xml><?xml version="1.0" encoding="utf-8"?>
+<ds:datastoreItem xmlns:ds="http://schemas.openxmlformats.org/officeDocument/2006/customXml" ds:itemID="{758FDAC0-319D-4A54-8D8E-1D42CB1F8004}">
+  <ds:schemaRefs>
+    <ds:schemaRef ds:uri="http://schemas.microsoft.com/sharepoint/v3/contenttype/forms"/>
+  </ds:schemaRefs>
+</ds:datastoreItem>
+</file>
+
 <file path=docMetadata/LabelInfo.xml><?xml version="1.0" encoding="utf-8"?>
 <clbl:labelList xmlns:clbl="http://schemas.microsoft.com/office/2020/mipLabelMetadata">
   <clbl:label id="{074e257c-5848-4582-9a6f-34a182080e71}" enabled="1" method="Privileged" siteId="{72f988bf-86f1-41af-91ab-2d7cd011db47}" removed="0"/>
